--- a/기타/발표 자료/메인 발표 시트(양식 이대로 안 합니다, 빨리 짠다고 진짜 골자만 짠 거에요. 그냥 텍스트만 보시고 이렇게 있구나 하시면 도비니다).pptx
+++ b/기타/발표 자료/메인 발표 시트(양식 이대로 안 합니다, 빨리 짠다고 진짜 골자만 짠 거에요. 그냥 텍스트만 보시고 이렇게 있구나 하시면 도비니다).pptx
@@ -4293,8 +4293,8 @@
         </p:nvSpPr>
         <p:spPr>
           <a:xfrm>
-            <a:off x="894920" y="2090172"/>
-            <a:ext cx="10402207" cy="1569660"/>
+            <a:off x="402800" y="2090172"/>
+            <a:ext cx="11386450" cy="2308324"/>
           </a:xfrm>
           <a:prstGeom prst="rect">
             <a:avLst/>
@@ -4377,6 +4377,28 @@
               <a:rPr lang="en-US" altLang="ko-KR" sz="2400" dirty="0" smtClean="0"/>
               <a:t>.</a:t>
             </a:r>
+          </a:p>
+          <a:p>
+            <a:pPr marL="457200" indent="-457200" algn="ctr">
+              <a:buAutoNum type="arabicPeriod"/>
+            </a:pPr>
+            <a:r>
+              <a:rPr lang="ko-KR" altLang="en-US" sz="2400" dirty="0" smtClean="0"/>
+              <a:t>함수를 처음에 잘 안 만드니까 자꾸 손을 대게 되었는데 팀원들이 옛날 함수로</a:t>
+            </a:r>
+            <a:endParaRPr lang="en-US" altLang="ko-KR" sz="2400" dirty="0" smtClean="0"/>
+          </a:p>
+          <a:p>
+            <a:pPr algn="ctr"/>
+            <a:r>
+              <a:rPr lang="ko-KR" altLang="en-US" sz="2400" dirty="0" smtClean="0"/>
+              <a:t>짜고 있어서 일이 계속 늘어났다</a:t>
+            </a:r>
+            <a:r>
+              <a:rPr lang="en-US" altLang="ko-KR" sz="2400" smtClean="0"/>
+              <a:t>.</a:t>
+            </a:r>
+            <a:endParaRPr lang="en-US" altLang="ko-KR" sz="2400" dirty="0" smtClean="0"/>
           </a:p>
         </p:txBody>
       </p:sp>

--- a/기타/발표 자료/메인 발표 시트(양식 이대로 안 합니다, 빨리 짠다고 진짜 골자만 짠 거에요. 그냥 텍스트만 보시고 이렇게 있구나 하시면 도비니다).pptx
+++ b/기타/발표 자료/메인 발표 시트(양식 이대로 안 합니다, 빨리 짠다고 진짜 골자만 짠 거에요. 그냥 텍스트만 보시고 이렇게 있구나 하시면 도비니다).pptx
@@ -4293,8 +4293,8 @@
         </p:nvSpPr>
         <p:spPr>
           <a:xfrm>
-            <a:off x="402800" y="2090172"/>
-            <a:ext cx="11386450" cy="2308324"/>
+            <a:off x="894920" y="2090172"/>
+            <a:ext cx="10402207" cy="1569660"/>
           </a:xfrm>
           <a:prstGeom prst="rect">
             <a:avLst/>
@@ -4377,28 +4377,6 @@
               <a:rPr lang="en-US" altLang="ko-KR" sz="2400" dirty="0" smtClean="0"/>
               <a:t>.</a:t>
             </a:r>
-          </a:p>
-          <a:p>
-            <a:pPr marL="457200" indent="-457200" algn="ctr">
-              <a:buAutoNum type="arabicPeriod"/>
-            </a:pPr>
-            <a:r>
-              <a:rPr lang="ko-KR" altLang="en-US" sz="2400" dirty="0" smtClean="0"/>
-              <a:t>함수를 처음에 잘 안 만드니까 자꾸 손을 대게 되었는데 팀원들이 옛날 함수로</a:t>
-            </a:r>
-            <a:endParaRPr lang="en-US" altLang="ko-KR" sz="2400" dirty="0" smtClean="0"/>
-          </a:p>
-          <a:p>
-            <a:pPr algn="ctr"/>
-            <a:r>
-              <a:rPr lang="ko-KR" altLang="en-US" sz="2400" dirty="0" smtClean="0"/>
-              <a:t>짜고 있어서 일이 계속 늘어났다</a:t>
-            </a:r>
-            <a:r>
-              <a:rPr lang="en-US" altLang="ko-KR" sz="2400" smtClean="0"/>
-              <a:t>.</a:t>
-            </a:r>
-            <a:endParaRPr lang="en-US" altLang="ko-KR" sz="2400" dirty="0" smtClean="0"/>
           </a:p>
         </p:txBody>
       </p:sp>

--- a/기타/발표 자료/메인 발표 시트(양식 이대로 안 합니다, 빨리 짠다고 진짜 골자만 짠 거에요. 그냥 텍스트만 보시고 이렇게 있구나 하시면 도비니다).pptx
+++ b/기타/발표 자료/메인 발표 시트(양식 이대로 안 합니다, 빨리 짠다고 진짜 골자만 짠 거에요. 그냥 텍스트만 보시고 이렇게 있구나 하시면 도비니다).pptx
@@ -259,7 +259,7 @@
           <a:p>
             <a:fld id="{CB2C4FCE-2570-4C0C-896F-F83EE0D58D3E}" type="datetimeFigureOut">
               <a:rPr lang="ko-KR" altLang="en-US" smtClean="0"/>
-              <a:t>2023-03-13</a:t>
+              <a:t>2023-03-14</a:t>
             </a:fld>
             <a:endParaRPr lang="ko-KR" altLang="en-US"/>
           </a:p>
@@ -429,7 +429,7 @@
           <a:p>
             <a:fld id="{CB2C4FCE-2570-4C0C-896F-F83EE0D58D3E}" type="datetimeFigureOut">
               <a:rPr lang="ko-KR" altLang="en-US" smtClean="0"/>
-              <a:t>2023-03-13</a:t>
+              <a:t>2023-03-14</a:t>
             </a:fld>
             <a:endParaRPr lang="ko-KR" altLang="en-US"/>
           </a:p>
@@ -609,7 +609,7 @@
           <a:p>
             <a:fld id="{CB2C4FCE-2570-4C0C-896F-F83EE0D58D3E}" type="datetimeFigureOut">
               <a:rPr lang="ko-KR" altLang="en-US" smtClean="0"/>
-              <a:t>2023-03-13</a:t>
+              <a:t>2023-03-14</a:t>
             </a:fld>
             <a:endParaRPr lang="ko-KR" altLang="en-US"/>
           </a:p>
@@ -779,7 +779,7 @@
           <a:p>
             <a:fld id="{CB2C4FCE-2570-4C0C-896F-F83EE0D58D3E}" type="datetimeFigureOut">
               <a:rPr lang="ko-KR" altLang="en-US" smtClean="0"/>
-              <a:t>2023-03-13</a:t>
+              <a:t>2023-03-14</a:t>
             </a:fld>
             <a:endParaRPr lang="ko-KR" altLang="en-US"/>
           </a:p>
@@ -1025,7 +1025,7 @@
           <a:p>
             <a:fld id="{CB2C4FCE-2570-4C0C-896F-F83EE0D58D3E}" type="datetimeFigureOut">
               <a:rPr lang="ko-KR" altLang="en-US" smtClean="0"/>
-              <a:t>2023-03-13</a:t>
+              <a:t>2023-03-14</a:t>
             </a:fld>
             <a:endParaRPr lang="ko-KR" altLang="en-US"/>
           </a:p>
@@ -1257,7 +1257,7 @@
           <a:p>
             <a:fld id="{CB2C4FCE-2570-4C0C-896F-F83EE0D58D3E}" type="datetimeFigureOut">
               <a:rPr lang="ko-KR" altLang="en-US" smtClean="0"/>
-              <a:t>2023-03-13</a:t>
+              <a:t>2023-03-14</a:t>
             </a:fld>
             <a:endParaRPr lang="ko-KR" altLang="en-US"/>
           </a:p>
@@ -1624,7 +1624,7 @@
           <a:p>
             <a:fld id="{CB2C4FCE-2570-4C0C-896F-F83EE0D58D3E}" type="datetimeFigureOut">
               <a:rPr lang="ko-KR" altLang="en-US" smtClean="0"/>
-              <a:t>2023-03-13</a:t>
+              <a:t>2023-03-14</a:t>
             </a:fld>
             <a:endParaRPr lang="ko-KR" altLang="en-US"/>
           </a:p>
@@ -1742,7 +1742,7 @@
           <a:p>
             <a:fld id="{CB2C4FCE-2570-4C0C-896F-F83EE0D58D3E}" type="datetimeFigureOut">
               <a:rPr lang="ko-KR" altLang="en-US" smtClean="0"/>
-              <a:t>2023-03-13</a:t>
+              <a:t>2023-03-14</a:t>
             </a:fld>
             <a:endParaRPr lang="ko-KR" altLang="en-US"/>
           </a:p>
@@ -1837,7 +1837,7 @@
           <a:p>
             <a:fld id="{CB2C4FCE-2570-4C0C-896F-F83EE0D58D3E}" type="datetimeFigureOut">
               <a:rPr lang="ko-KR" altLang="en-US" smtClean="0"/>
-              <a:t>2023-03-13</a:t>
+              <a:t>2023-03-14</a:t>
             </a:fld>
             <a:endParaRPr lang="ko-KR" altLang="en-US"/>
           </a:p>
@@ -2114,7 +2114,7 @@
           <a:p>
             <a:fld id="{CB2C4FCE-2570-4C0C-896F-F83EE0D58D3E}" type="datetimeFigureOut">
               <a:rPr lang="ko-KR" altLang="en-US" smtClean="0"/>
-              <a:t>2023-03-13</a:t>
+              <a:t>2023-03-14</a:t>
             </a:fld>
             <a:endParaRPr lang="ko-KR" altLang="en-US"/>
           </a:p>
@@ -2367,7 +2367,7 @@
           <a:p>
             <a:fld id="{CB2C4FCE-2570-4C0C-896F-F83EE0D58D3E}" type="datetimeFigureOut">
               <a:rPr lang="ko-KR" altLang="en-US" smtClean="0"/>
-              <a:t>2023-03-13</a:t>
+              <a:t>2023-03-14</a:t>
             </a:fld>
             <a:endParaRPr lang="ko-KR" altLang="en-US"/>
           </a:p>
@@ -2580,7 +2580,7 @@
           <a:p>
             <a:fld id="{CB2C4FCE-2570-4C0C-896F-F83EE0D58D3E}" type="datetimeFigureOut">
               <a:rPr lang="ko-KR" altLang="en-US" smtClean="0"/>
-              <a:t>2023-03-13</a:t>
+              <a:t>2023-03-14</a:t>
             </a:fld>
             <a:endParaRPr lang="ko-KR" altLang="en-US"/>
           </a:p>
@@ -3332,7 +3332,7 @@
         </p:blipFill>
         <p:spPr>
           <a:xfrm>
-            <a:off x="0" y="2266153"/>
+            <a:off x="0" y="902245"/>
             <a:ext cx="12192000" cy="2325693"/>
           </a:xfrm>
           <a:prstGeom prst="rect">
@@ -3348,7 +3348,7 @@
         </p:nvSpPr>
         <p:spPr>
           <a:xfrm>
-            <a:off x="5186937" y="1804488"/>
+            <a:off x="5186937" y="440580"/>
             <a:ext cx="1818125" cy="461665"/>
           </a:xfrm>
           <a:prstGeom prst="rect">
@@ -3367,6 +3367,61 @@
               <a:rPr lang="en-US" altLang="ko-KR" sz="2400" dirty="0" smtClean="0"/>
               <a:t>Gantt Chart</a:t>
             </a:r>
+          </a:p>
+        </p:txBody>
+      </p:sp>
+      <p:pic>
+        <p:nvPicPr>
+          <p:cNvPr id="7" name="그림 6"/>
+          <p:cNvPicPr>
+            <a:picLocks noChangeAspect="1"/>
+          </p:cNvPicPr>
+          <p:nvPr/>
+        </p:nvPicPr>
+        <p:blipFill>
+          <a:blip r:embed="rId3"/>
+          <a:stretch>
+            <a:fillRect/>
+          </a:stretch>
+        </p:blipFill>
+        <p:spPr>
+          <a:xfrm>
+            <a:off x="-35818" y="3846339"/>
+            <a:ext cx="12227818" cy="2000746"/>
+          </a:xfrm>
+          <a:prstGeom prst="rect">
+            <a:avLst/>
+          </a:prstGeom>
+        </p:spPr>
+      </p:pic>
+      <p:sp>
+        <p:nvSpPr>
+          <p:cNvPr id="8" name="TextBox 7"/>
+          <p:cNvSpPr txBox="1"/>
+          <p:nvPr/>
+        </p:nvSpPr>
+        <p:spPr>
+          <a:xfrm>
+            <a:off x="4663558" y="3384675"/>
+            <a:ext cx="2864887" cy="461665"/>
+          </a:xfrm>
+          <a:prstGeom prst="rect">
+            <a:avLst/>
+          </a:prstGeom>
+          <a:noFill/>
+        </p:spPr>
+        <p:txBody>
+          <a:bodyPr wrap="none" rtlCol="0">
+            <a:spAutoFit/>
+          </a:bodyPr>
+          <a:lstStyle/>
+          <a:p>
+            <a:pPr algn="ctr"/>
+            <a:r>
+              <a:rPr lang="ko-KR" altLang="en-US" sz="2400" dirty="0" smtClean="0"/>
+              <a:t>프로젝트 일정 관리</a:t>
+            </a:r>
+            <a:endParaRPr lang="en-US" altLang="ko-KR" sz="2400" dirty="0" smtClean="0"/>
           </a:p>
         </p:txBody>
       </p:sp>

--- a/기타/발표 자료/메인 발표 시트(양식 이대로 안 합니다, 빨리 짠다고 진짜 골자만 짠 거에요. 그냥 텍스트만 보시고 이렇게 있구나 하시면 도비니다).pptx
+++ b/기타/발표 자료/메인 발표 시트(양식 이대로 안 합니다, 빨리 짠다고 진짜 골자만 짠 거에요. 그냥 텍스트만 보시고 이렇게 있구나 하시면 도비니다).pptx
@@ -13,15 +13,14 @@
     <p:sldId id="279" r:id="rId7"/>
     <p:sldId id="280" r:id="rId8"/>
     <p:sldId id="281" r:id="rId9"/>
-    <p:sldId id="282" r:id="rId10"/>
-    <p:sldId id="268" r:id="rId11"/>
-    <p:sldId id="269" r:id="rId12"/>
-    <p:sldId id="274" r:id="rId13"/>
-    <p:sldId id="273" r:id="rId14"/>
-    <p:sldId id="270" r:id="rId15"/>
-    <p:sldId id="271" r:id="rId16"/>
-    <p:sldId id="275" r:id="rId17"/>
-    <p:sldId id="272" r:id="rId18"/>
+    <p:sldId id="268" r:id="rId10"/>
+    <p:sldId id="269" r:id="rId11"/>
+    <p:sldId id="274" r:id="rId12"/>
+    <p:sldId id="273" r:id="rId13"/>
+    <p:sldId id="270" r:id="rId14"/>
+    <p:sldId id="271" r:id="rId15"/>
+    <p:sldId id="275" r:id="rId16"/>
+    <p:sldId id="272" r:id="rId17"/>
   </p:sldIdLst>
   <p:sldSz cx="12192000" cy="6858000"/>
   <p:notesSz cx="6858000" cy="9144000"/>
@@ -3287,7 +3286,7 @@
         <p:spPr>
           <a:xfrm>
             <a:off x="0" y="0"/>
-            <a:ext cx="2140330" cy="461665"/>
+            <a:ext cx="1524776" cy="830997"/>
           </a:xfrm>
           <a:prstGeom prst="rect">
             <a:avLst/>
@@ -3302,15 +3301,18 @@
           <a:p>
             <a:r>
               <a:rPr lang="ko-KR" altLang="en-US" sz="2400" dirty="0" smtClean="0"/>
-              <a:t>프로젝트</a:t>
-            </a:r>
-            <a:r>
-              <a:rPr lang="en-US" altLang="ko-KR" sz="2400" dirty="0"/>
-              <a:t> </a:t>
-            </a:r>
-            <a:r>
-              <a:rPr lang="ko-KR" altLang="en-US" sz="2400" dirty="0" smtClean="0"/>
-              <a:t>진행</a:t>
+              <a:t>코드 구성</a:t>
+            </a:r>
+            <a:endParaRPr lang="en-US" altLang="ko-KR" sz="2400" dirty="0" smtClean="0"/>
+          </a:p>
+          <a:p>
+            <a:r>
+              <a:rPr lang="en-US" altLang="ko-KR" sz="2400" dirty="0" smtClean="0"/>
+              <a:t>CSV</a:t>
+            </a:r>
+            <a:r>
+              <a:rPr lang="ko-KR" altLang="en-US" sz="2400" dirty="0" smtClean="0"/>
+              <a:t>파일</a:t>
             </a:r>
             <a:endParaRPr lang="en-US" altLang="ko-KR" sz="2400" dirty="0" smtClean="0"/>
           </a:p>
@@ -3318,117 +3320,38 @@
       </p:sp>
       <p:pic>
         <p:nvPicPr>
-          <p:cNvPr id="2" name="그림 1"/>
+          <p:cNvPr id="5" name="그림 4"/>
           <p:cNvPicPr>
             <a:picLocks noChangeAspect="1"/>
           </p:cNvPicPr>
           <p:nvPr/>
         </p:nvPicPr>
         <p:blipFill>
-          <a:blip r:embed="rId2"/>
+          <a:blip r:embed="rId2">
+            <a:extLst>
+              <a:ext uri="{28A0092B-C50C-407E-A947-70E740481C1C}">
+                <a14:useLocalDpi xmlns:a14="http://schemas.microsoft.com/office/drawing/2010/main" val="0"/>
+              </a:ext>
+            </a:extLst>
+          </a:blip>
           <a:stretch>
             <a:fillRect/>
           </a:stretch>
         </p:blipFill>
         <p:spPr>
           <a:xfrm>
-            <a:off x="0" y="902245"/>
-            <a:ext cx="12192000" cy="2325693"/>
+            <a:off x="2366962" y="157162"/>
+            <a:ext cx="7458075" cy="6543675"/>
           </a:xfrm>
           <a:prstGeom prst="rect">
             <a:avLst/>
           </a:prstGeom>
         </p:spPr>
       </p:pic>
-      <p:sp>
-        <p:nvSpPr>
-          <p:cNvPr id="5" name="TextBox 4"/>
-          <p:cNvSpPr txBox="1"/>
-          <p:nvPr/>
-        </p:nvSpPr>
-        <p:spPr>
-          <a:xfrm>
-            <a:off x="5186937" y="440580"/>
-            <a:ext cx="1818125" cy="461665"/>
-          </a:xfrm>
-          <a:prstGeom prst="rect">
-            <a:avLst/>
-          </a:prstGeom>
-          <a:noFill/>
-        </p:spPr>
-        <p:txBody>
-          <a:bodyPr wrap="none" rtlCol="0">
-            <a:spAutoFit/>
-          </a:bodyPr>
-          <a:lstStyle/>
-          <a:p>
-            <a:pPr algn="ctr"/>
-            <a:r>
-              <a:rPr lang="en-US" altLang="ko-KR" sz="2400" dirty="0" smtClean="0"/>
-              <a:t>Gantt Chart</a:t>
-            </a:r>
-          </a:p>
-        </p:txBody>
-      </p:sp>
-      <p:pic>
-        <p:nvPicPr>
-          <p:cNvPr id="7" name="그림 6"/>
-          <p:cNvPicPr>
-            <a:picLocks noChangeAspect="1"/>
-          </p:cNvPicPr>
-          <p:nvPr/>
-        </p:nvPicPr>
-        <p:blipFill>
-          <a:blip r:embed="rId3"/>
-          <a:stretch>
-            <a:fillRect/>
-          </a:stretch>
-        </p:blipFill>
-        <p:spPr>
-          <a:xfrm>
-            <a:off x="-35818" y="3846339"/>
-            <a:ext cx="12227818" cy="2000746"/>
-          </a:xfrm>
-          <a:prstGeom prst="rect">
-            <a:avLst/>
-          </a:prstGeom>
-        </p:spPr>
-      </p:pic>
-      <p:sp>
-        <p:nvSpPr>
-          <p:cNvPr id="8" name="TextBox 7"/>
-          <p:cNvSpPr txBox="1"/>
-          <p:nvPr/>
-        </p:nvSpPr>
-        <p:spPr>
-          <a:xfrm>
-            <a:off x="4663558" y="3384675"/>
-            <a:ext cx="2864887" cy="461665"/>
-          </a:xfrm>
-          <a:prstGeom prst="rect">
-            <a:avLst/>
-          </a:prstGeom>
-          <a:noFill/>
-        </p:spPr>
-        <p:txBody>
-          <a:bodyPr wrap="none" rtlCol="0">
-            <a:spAutoFit/>
-          </a:bodyPr>
-          <a:lstStyle/>
-          <a:p>
-            <a:pPr algn="ctr"/>
-            <a:r>
-              <a:rPr lang="ko-KR" altLang="en-US" sz="2400" dirty="0" smtClean="0"/>
-              <a:t>프로젝트 일정 관리</a:t>
-            </a:r>
-            <a:endParaRPr lang="en-US" altLang="ko-KR" sz="2400" dirty="0" smtClean="0"/>
-          </a:p>
-        </p:txBody>
-      </p:sp>
     </p:spTree>
     <p:extLst>
       <p:ext uri="{BB962C8B-B14F-4D97-AF65-F5344CB8AC3E}">
-        <p14:creationId xmlns:p14="http://schemas.microsoft.com/office/powerpoint/2010/main" val="759338408"/>
+        <p14:creationId xmlns:p14="http://schemas.microsoft.com/office/powerpoint/2010/main" val="3933674020"/>
       </p:ext>
     </p:extLst>
   </p:cSld>
@@ -3551,7 +3474,7 @@
       </p:sp>
       <p:pic>
         <p:nvPicPr>
-          <p:cNvPr id="5" name="그림 4"/>
+          <p:cNvPr id="2" name="그림 1"/>
           <p:cNvPicPr>
             <a:picLocks noChangeAspect="1"/>
           </p:cNvPicPr>
@@ -3571,8 +3494,8 @@
         </p:blipFill>
         <p:spPr>
           <a:xfrm>
-            <a:off x="2366962" y="157162"/>
-            <a:ext cx="7458075" cy="6543675"/>
+            <a:off x="2371725" y="957262"/>
+            <a:ext cx="7448550" cy="4943475"/>
           </a:xfrm>
           <a:prstGeom prst="rect">
             <a:avLst/>
@@ -3582,7 +3505,7 @@
     </p:spTree>
     <p:extLst>
       <p:ext uri="{BB962C8B-B14F-4D97-AF65-F5344CB8AC3E}">
-        <p14:creationId xmlns:p14="http://schemas.microsoft.com/office/powerpoint/2010/main" val="3933674020"/>
+        <p14:creationId xmlns:p14="http://schemas.microsoft.com/office/powerpoint/2010/main" val="654516948"/>
       </p:ext>
     </p:extLst>
   </p:cSld>
@@ -3671,7 +3594,7 @@
         <p:spPr>
           <a:xfrm>
             <a:off x="0" y="0"/>
-            <a:ext cx="1524776" cy="830997"/>
+            <a:ext cx="1524776" cy="461665"/>
           </a:xfrm>
           <a:prstGeom prst="rect">
             <a:avLst/>
@@ -3690,53 +3613,12 @@
             </a:r>
             <a:endParaRPr lang="en-US" altLang="ko-KR" sz="2400" dirty="0" smtClean="0"/>
           </a:p>
-          <a:p>
-            <a:r>
-              <a:rPr lang="en-US" altLang="ko-KR" sz="2400" dirty="0" smtClean="0"/>
-              <a:t>CSV</a:t>
-            </a:r>
-            <a:r>
-              <a:rPr lang="ko-KR" altLang="en-US" sz="2400" dirty="0" smtClean="0"/>
-              <a:t>파일</a:t>
-            </a:r>
-            <a:endParaRPr lang="en-US" altLang="ko-KR" sz="2400" dirty="0" smtClean="0"/>
-          </a:p>
-        </p:txBody>
-      </p:sp>
-      <p:pic>
-        <p:nvPicPr>
-          <p:cNvPr id="2" name="그림 1"/>
-          <p:cNvPicPr>
-            <a:picLocks noChangeAspect="1"/>
-          </p:cNvPicPr>
-          <p:nvPr/>
-        </p:nvPicPr>
-        <p:blipFill>
-          <a:blip r:embed="rId2">
-            <a:extLst>
-              <a:ext uri="{28A0092B-C50C-407E-A947-70E740481C1C}">
-                <a14:useLocalDpi xmlns:a14="http://schemas.microsoft.com/office/drawing/2010/main" val="0"/>
-              </a:ext>
-            </a:extLst>
-          </a:blip>
-          <a:stretch>
-            <a:fillRect/>
-          </a:stretch>
-        </p:blipFill>
-        <p:spPr>
-          <a:xfrm>
-            <a:off x="2371725" y="957262"/>
-            <a:ext cx="7448550" cy="4943475"/>
-          </a:xfrm>
-          <a:prstGeom prst="rect">
-            <a:avLst/>
-          </a:prstGeom>
-        </p:spPr>
-      </p:pic>
+        </p:txBody>
+      </p:sp>
     </p:spTree>
     <p:extLst>
       <p:ext uri="{BB962C8B-B14F-4D97-AF65-F5344CB8AC3E}">
-        <p14:creationId xmlns:p14="http://schemas.microsoft.com/office/powerpoint/2010/main" val="654516948"/>
+        <p14:creationId xmlns:p14="http://schemas.microsoft.com/office/powerpoint/2010/main" val="157257909"/>
       </p:ext>
     </p:extLst>
   </p:cSld>
@@ -3840,16 +3722,74 @@
           <a:p>
             <a:r>
               <a:rPr lang="ko-KR" altLang="en-US" sz="2400" dirty="0" smtClean="0"/>
-              <a:t>코드 구성</a:t>
+              <a:t>실행 결과</a:t>
             </a:r>
             <a:endParaRPr lang="en-US" altLang="ko-KR" sz="2400" dirty="0" smtClean="0"/>
+          </a:p>
+        </p:txBody>
+      </p:sp>
+      <p:sp>
+        <p:nvSpPr>
+          <p:cNvPr id="5" name="직사각형 4"/>
+          <p:cNvSpPr/>
+          <p:nvPr/>
+        </p:nvSpPr>
+        <p:spPr>
+          <a:xfrm>
+            <a:off x="2065200" y="1237373"/>
+            <a:ext cx="8061600" cy="4383253"/>
+          </a:xfrm>
+          <a:prstGeom prst="rect">
+            <a:avLst/>
+          </a:prstGeom>
+          <a:solidFill>
+            <a:schemeClr val="accent4">
+              <a:alpha val="50000"/>
+            </a:schemeClr>
+          </a:solidFill>
+          <a:ln>
+            <a:noFill/>
+          </a:ln>
+        </p:spPr>
+        <p:style>
+          <a:lnRef idx="0">
+            <a:scrgbClr r="0" g="0" b="0"/>
+          </a:lnRef>
+          <a:fillRef idx="0">
+            <a:scrgbClr r="0" g="0" b="0"/>
+          </a:fillRef>
+          <a:effectRef idx="0">
+            <a:scrgbClr r="0" g="0" b="0"/>
+          </a:effectRef>
+          <a:fontRef idx="minor">
+            <a:schemeClr val="lt1"/>
+          </a:fontRef>
+        </p:style>
+        <p:txBody>
+          <a:bodyPr rtlCol="0" anchor="ctr"/>
+          <a:lstStyle/>
+          <a:p>
+            <a:pPr algn="ctr"/>
+            <a:r>
+              <a:rPr lang="ko-KR" altLang="en-US" dirty="0" smtClean="0"/>
+              <a:t>영상 주소 또는 </a:t>
+            </a:r>
+            <a:r>
+              <a:rPr lang="en-US" altLang="ko-KR" dirty="0" smtClean="0"/>
+              <a:t>GIF</a:t>
+            </a:r>
+            <a:r>
+              <a:rPr lang="ko-KR" altLang="en-US" dirty="0" smtClean="0"/>
+              <a:t>로 편집한 파일</a:t>
+            </a:r>
+            <a:endParaRPr lang="ko-KR" altLang="en-US" dirty="0"/>
           </a:p>
         </p:txBody>
       </p:sp>
     </p:spTree>
     <p:extLst>
       <p:ext uri="{BB962C8B-B14F-4D97-AF65-F5344CB8AC3E}">
-        <p14:creationId xmlns:p14="http://schemas.microsoft.com/office/powerpoint/2010/main" val="157257909"/>
+        <p14:creationId xmlns:p14="http://schemas.microsoft.com/office/powerpoint/2010/main" val="184044824"/>
       </p:ext>
     </p:extLst>
   </p:cSld>
@@ -3938,7 +3878,7 @@
         <p:spPr>
           <a:xfrm>
             <a:off x="0" y="0"/>
-            <a:ext cx="1524776" cy="461665"/>
+            <a:ext cx="2448106" cy="461665"/>
           </a:xfrm>
           <a:prstGeom prst="rect">
             <a:avLst/>
@@ -3953,7 +3893,7 @@
           <a:p>
             <a:r>
               <a:rPr lang="ko-KR" altLang="en-US" sz="2400" dirty="0" smtClean="0"/>
-              <a:t>실행 결과</a:t>
+              <a:t>프로젝트 피드백</a:t>
             </a:r>
             <a:endParaRPr lang="en-US" altLang="ko-KR" sz="2400" dirty="0" smtClean="0"/>
           </a:p>
@@ -3961,66 +3901,98 @@
       </p:sp>
       <p:sp>
         <p:nvSpPr>
-          <p:cNvPr id="5" name="직사각형 4"/>
-          <p:cNvSpPr/>
+          <p:cNvPr id="5" name="TextBox 4"/>
+          <p:cNvSpPr txBox="1"/>
           <p:nvPr/>
         </p:nvSpPr>
         <p:spPr>
           <a:xfrm>
-            <a:off x="2065200" y="1237373"/>
-            <a:ext cx="8061600" cy="4383253"/>
+            <a:off x="478129" y="2090172"/>
+            <a:ext cx="11235768" cy="1200329"/>
           </a:xfrm>
           <a:prstGeom prst="rect">
             <a:avLst/>
           </a:prstGeom>
-          <a:solidFill>
-            <a:schemeClr val="accent4">
-              <a:alpha val="50000"/>
-            </a:schemeClr>
-          </a:solidFill>
-          <a:ln>
-            <a:noFill/>
-          </a:ln>
-        </p:spPr>
-        <p:style>
-          <a:lnRef idx="0">
-            <a:scrgbClr r="0" g="0" b="0"/>
-          </a:lnRef>
-          <a:fillRef idx="0">
-            <a:scrgbClr r="0" g="0" b="0"/>
-          </a:fillRef>
-          <a:effectRef idx="0">
-            <a:scrgbClr r="0" g="0" b="0"/>
-          </a:effectRef>
-          <a:fontRef idx="minor">
-            <a:schemeClr val="lt1"/>
-          </a:fontRef>
-        </p:style>
-        <p:txBody>
-          <a:bodyPr rtlCol="0" anchor="ctr"/>
-          <a:lstStyle/>
-          <a:p>
-            <a:pPr algn="ctr"/>
-            <a:r>
-              <a:rPr lang="ko-KR" altLang="en-US" dirty="0" smtClean="0"/>
-              <a:t>영상 주소 또는 </a:t>
-            </a:r>
-            <a:r>
-              <a:rPr lang="en-US" altLang="ko-KR" dirty="0" smtClean="0"/>
-              <a:t>GIF</a:t>
-            </a:r>
-            <a:r>
-              <a:rPr lang="ko-KR" altLang="en-US" dirty="0" smtClean="0"/>
-              <a:t>로 편집한 파일</a:t>
-            </a:r>
-            <a:endParaRPr lang="ko-KR" altLang="en-US" dirty="0"/>
+          <a:noFill/>
+        </p:spPr>
+        <p:txBody>
+          <a:bodyPr wrap="none" rtlCol="0">
+            <a:spAutoFit/>
+          </a:bodyPr>
+          <a:lstStyle/>
+          <a:p>
+            <a:pPr marL="457200" indent="-457200" algn="ctr">
+              <a:buAutoNum type="arabicPeriod"/>
+            </a:pPr>
+            <a:r>
+              <a:rPr lang="ko-KR" altLang="en-US" sz="2400" dirty="0" smtClean="0"/>
+              <a:t>데이터 위조</a:t>
+            </a:r>
+            <a:r>
+              <a:rPr lang="en-US" altLang="ko-KR" sz="2400" dirty="0" smtClean="0"/>
+              <a:t>, </a:t>
+            </a:r>
+            <a:r>
+              <a:rPr lang="ko-KR" altLang="en-US" sz="2400" dirty="0" smtClean="0"/>
+              <a:t>변조</a:t>
+            </a:r>
+            <a:r>
+              <a:rPr lang="en-US" altLang="ko-KR" sz="2400" dirty="0" smtClean="0"/>
+              <a:t>, </a:t>
+            </a:r>
+            <a:r>
+              <a:rPr lang="ko-KR" altLang="en-US" sz="2400" dirty="0" smtClean="0"/>
+              <a:t>탈취에 취약하다</a:t>
+            </a:r>
+            <a:r>
+              <a:rPr lang="en-US" altLang="ko-KR" sz="2400" dirty="0" smtClean="0"/>
+              <a:t>.</a:t>
+            </a:r>
+          </a:p>
+          <a:p>
+            <a:pPr marL="457200" indent="-457200" algn="ctr">
+              <a:buAutoNum type="arabicPeriod"/>
+            </a:pPr>
+            <a:r>
+              <a:rPr lang="en-US" altLang="ko-KR" sz="2400" dirty="0" smtClean="0"/>
+              <a:t>CSV</a:t>
+            </a:r>
+            <a:r>
+              <a:rPr lang="ko-KR" altLang="en-US" sz="2400" dirty="0" smtClean="0"/>
+              <a:t>파일을 사용하므로 </a:t>
+            </a:r>
+            <a:r>
+              <a:rPr lang="en-US" altLang="ko-KR" sz="2400" dirty="0" smtClean="0"/>
+              <a:t>CSV</a:t>
+            </a:r>
+            <a:r>
+              <a:rPr lang="ko-KR" altLang="en-US" sz="2400" dirty="0" smtClean="0"/>
+              <a:t>형식의 단점을 공유한다</a:t>
+            </a:r>
+            <a:r>
+              <a:rPr lang="en-US" altLang="ko-KR" sz="2400" dirty="0" smtClean="0"/>
+              <a:t>.</a:t>
+            </a:r>
+          </a:p>
+          <a:p>
+            <a:pPr marL="457200" indent="-457200" algn="ctr">
+              <a:buAutoNum type="arabicPeriod"/>
+            </a:pPr>
+            <a:r>
+              <a:rPr lang="ko-KR" altLang="en-US" sz="2400" dirty="0" smtClean="0"/>
+              <a:t>실수로 데이터를 잘못 지우는 경우를 대비해 주기적으로 손수 백업해야 한다</a:t>
+            </a:r>
+            <a:r>
+              <a:rPr lang="en-US" altLang="ko-KR" sz="2400" dirty="0" smtClean="0"/>
+              <a:t>.</a:t>
+            </a:r>
           </a:p>
         </p:txBody>
       </p:sp>
     </p:spTree>
     <p:extLst>
       <p:ext uri="{BB962C8B-B14F-4D97-AF65-F5344CB8AC3E}">
-        <p14:creationId xmlns:p14="http://schemas.microsoft.com/office/powerpoint/2010/main" val="184044824"/>
+        <p14:creationId xmlns:p14="http://schemas.microsoft.com/office/powerpoint/2010/main" val="1027095995"/>
       </p:ext>
     </p:extLst>
   </p:cSld>
@@ -4109,209 +4081,6 @@
         <p:spPr>
           <a:xfrm>
             <a:off x="0" y="0"/>
-            <a:ext cx="2448106" cy="461665"/>
-          </a:xfrm>
-          <a:prstGeom prst="rect">
-            <a:avLst/>
-          </a:prstGeom>
-          <a:noFill/>
-        </p:spPr>
-        <p:txBody>
-          <a:bodyPr wrap="none" rtlCol="0">
-            <a:spAutoFit/>
-          </a:bodyPr>
-          <a:lstStyle/>
-          <a:p>
-            <a:r>
-              <a:rPr lang="ko-KR" altLang="en-US" sz="2400" dirty="0" smtClean="0"/>
-              <a:t>프로젝트 피드백</a:t>
-            </a:r>
-            <a:endParaRPr lang="en-US" altLang="ko-KR" sz="2400" dirty="0" smtClean="0"/>
-          </a:p>
-        </p:txBody>
-      </p:sp>
-      <p:sp>
-        <p:nvSpPr>
-          <p:cNvPr id="5" name="TextBox 4"/>
-          <p:cNvSpPr txBox="1"/>
-          <p:nvPr/>
-        </p:nvSpPr>
-        <p:spPr>
-          <a:xfrm>
-            <a:off x="478129" y="2090172"/>
-            <a:ext cx="11235768" cy="1200329"/>
-          </a:xfrm>
-          <a:prstGeom prst="rect">
-            <a:avLst/>
-          </a:prstGeom>
-          <a:noFill/>
-        </p:spPr>
-        <p:txBody>
-          <a:bodyPr wrap="none" rtlCol="0">
-            <a:spAutoFit/>
-          </a:bodyPr>
-          <a:lstStyle/>
-          <a:p>
-            <a:pPr marL="457200" indent="-457200" algn="ctr">
-              <a:buAutoNum type="arabicPeriod"/>
-            </a:pPr>
-            <a:r>
-              <a:rPr lang="ko-KR" altLang="en-US" sz="2400" dirty="0" smtClean="0"/>
-              <a:t>데이터 위조</a:t>
-            </a:r>
-            <a:r>
-              <a:rPr lang="en-US" altLang="ko-KR" sz="2400" dirty="0" smtClean="0"/>
-              <a:t>, </a:t>
-            </a:r>
-            <a:r>
-              <a:rPr lang="ko-KR" altLang="en-US" sz="2400" dirty="0" smtClean="0"/>
-              <a:t>변조</a:t>
-            </a:r>
-            <a:r>
-              <a:rPr lang="en-US" altLang="ko-KR" sz="2400" dirty="0" smtClean="0"/>
-              <a:t>, </a:t>
-            </a:r>
-            <a:r>
-              <a:rPr lang="ko-KR" altLang="en-US" sz="2400" dirty="0" smtClean="0"/>
-              <a:t>탈취에 취약하다</a:t>
-            </a:r>
-            <a:r>
-              <a:rPr lang="en-US" altLang="ko-KR" sz="2400" dirty="0" smtClean="0"/>
-              <a:t>.</a:t>
-            </a:r>
-          </a:p>
-          <a:p>
-            <a:pPr marL="457200" indent="-457200" algn="ctr">
-              <a:buAutoNum type="arabicPeriod"/>
-            </a:pPr>
-            <a:r>
-              <a:rPr lang="en-US" altLang="ko-KR" sz="2400" dirty="0" smtClean="0"/>
-              <a:t>CSV</a:t>
-            </a:r>
-            <a:r>
-              <a:rPr lang="ko-KR" altLang="en-US" sz="2400" dirty="0" smtClean="0"/>
-              <a:t>파일을 사용하므로 </a:t>
-            </a:r>
-            <a:r>
-              <a:rPr lang="en-US" altLang="ko-KR" sz="2400" dirty="0" smtClean="0"/>
-              <a:t>CSV</a:t>
-            </a:r>
-            <a:r>
-              <a:rPr lang="ko-KR" altLang="en-US" sz="2400" dirty="0" smtClean="0"/>
-              <a:t>형식의 단점을 공유한다</a:t>
-            </a:r>
-            <a:r>
-              <a:rPr lang="en-US" altLang="ko-KR" sz="2400" dirty="0" smtClean="0"/>
-              <a:t>.</a:t>
-            </a:r>
-          </a:p>
-          <a:p>
-            <a:pPr marL="457200" indent="-457200" algn="ctr">
-              <a:buAutoNum type="arabicPeriod"/>
-            </a:pPr>
-            <a:r>
-              <a:rPr lang="ko-KR" altLang="en-US" sz="2400" dirty="0" smtClean="0"/>
-              <a:t>실수로 데이터를 잘못 지우는 경우를 대비해 주기적으로 손수 백업해야 한다</a:t>
-            </a:r>
-            <a:r>
-              <a:rPr lang="en-US" altLang="ko-KR" sz="2400" dirty="0" smtClean="0"/>
-              <a:t>.</a:t>
-            </a:r>
-          </a:p>
-        </p:txBody>
-      </p:sp>
-    </p:spTree>
-    <p:extLst>
-      <p:ext uri="{BB962C8B-B14F-4D97-AF65-F5344CB8AC3E}">
-        <p14:creationId xmlns:p14="http://schemas.microsoft.com/office/powerpoint/2010/main" val="1027095995"/>
-      </p:ext>
-    </p:extLst>
-  </p:cSld>
-  <p:clrMapOvr>
-    <a:masterClrMapping/>
-  </p:clrMapOvr>
-  <p:timing>
-    <p:tnLst>
-      <p:par>
-        <p:cTn id="1" dur="indefinite" restart="never" nodeType="tmRoot"/>
-      </p:par>
-    </p:tnLst>
-  </p:timing>
-</p:sld>
-</file>
-
-<file path=ppt/slides/slide16.xml><?xml version="1.0" encoding="utf-8"?>
-<p:sld xmlns:a="http://schemas.openxmlformats.org/drawingml/2006/main" xmlns:r="http://schemas.openxmlformats.org/officeDocument/2006/relationships" xmlns:p="http://schemas.openxmlformats.org/presentationml/2006/main">
-  <p:cSld>
-    <p:spTree>
-      <p:nvGrpSpPr>
-        <p:cNvPr id="1" name=""/>
-        <p:cNvGrpSpPr/>
-        <p:nvPr/>
-      </p:nvGrpSpPr>
-      <p:grpSpPr>
-        <a:xfrm>
-          <a:off x="0" y="0"/>
-          <a:ext cx="0" cy="0"/>
-          <a:chOff x="0" y="0"/>
-          <a:chExt cx="0" cy="0"/>
-        </a:xfrm>
-      </p:grpSpPr>
-      <p:sp>
-        <p:nvSpPr>
-          <p:cNvPr id="4" name="직사각형 3"/>
-          <p:cNvSpPr/>
-          <p:nvPr/>
-        </p:nvSpPr>
-        <p:spPr>
-          <a:xfrm>
-            <a:off x="0" y="0"/>
-            <a:ext cx="12192000" cy="6858000"/>
-          </a:xfrm>
-          <a:prstGeom prst="rect">
-            <a:avLst/>
-          </a:prstGeom>
-          <a:noFill/>
-          <a:ln w="76200">
-            <a:solidFill>
-              <a:schemeClr val="accent4"/>
-            </a:solidFill>
-          </a:ln>
-        </p:spPr>
-        <p:style>
-          <a:lnRef idx="2">
-            <a:schemeClr val="accent1">
-              <a:shade val="50000"/>
-            </a:schemeClr>
-          </a:lnRef>
-          <a:fillRef idx="1">
-            <a:schemeClr val="accent1"/>
-          </a:fillRef>
-          <a:effectRef idx="0">
-            <a:schemeClr val="accent1"/>
-          </a:effectRef>
-          <a:fontRef idx="minor">
-            <a:schemeClr val="lt1"/>
-          </a:fontRef>
-        </p:style>
-        <p:txBody>
-          <a:bodyPr rtlCol="0" anchor="ctr"/>
-          <a:lstStyle/>
-          <a:p>
-            <a:pPr algn="ctr"/>
-            <a:endParaRPr lang="ko-KR" altLang="en-US"/>
-          </a:p>
-        </p:txBody>
-      </p:sp>
-      <p:sp>
-        <p:nvSpPr>
-          <p:cNvPr id="3" name="TextBox 2"/>
-          <p:cNvSpPr txBox="1"/>
-          <p:nvPr/>
-        </p:nvSpPr>
-        <p:spPr>
-          <a:xfrm>
-            <a:off x="0" y="0"/>
             <a:ext cx="2448106" cy="830997"/>
           </a:xfrm>
           <a:prstGeom prst="rect">
@@ -4455,7 +4224,7 @@
 </p:sld>
 </file>
 
-<file path=ppt/slides/slide17.xml><?xml version="1.0" encoding="utf-8"?>
+<file path=ppt/slides/slide16.xml><?xml version="1.0" encoding="utf-8"?>
 <p:sld xmlns:a="http://schemas.openxmlformats.org/drawingml/2006/main" xmlns:r="http://schemas.openxmlformats.org/officeDocument/2006/relationships" xmlns:p="http://schemas.openxmlformats.org/presentationml/2006/main">
   <p:cSld>
     <p:spTree>
@@ -4742,8 +4511,13 @@
             <a:pPr algn="ctr"/>
             <a:r>
               <a:rPr lang="en-US" altLang="ko-KR" sz="2400" dirty="0" smtClean="0"/>
-              <a:t>4. Gantt Chart</a:t>
-            </a:r>
+              <a:t>4. </a:t>
+            </a:r>
+            <a:r>
+              <a:rPr lang="ko-KR" altLang="en-US" sz="2400" dirty="0" smtClean="0"/>
+              <a:t>프로젝트 일정 진행</a:t>
+            </a:r>
+            <a:endParaRPr lang="en-US" altLang="ko-KR" sz="2400" dirty="0" smtClean="0"/>
           </a:p>
           <a:p>
             <a:pPr algn="ctr"/>
@@ -6700,7 +6474,7 @@
         <p:spPr>
           <a:xfrm>
             <a:off x="0" y="0"/>
-            <a:ext cx="800219" cy="461665"/>
+            <a:ext cx="2864887" cy="461665"/>
           </a:xfrm>
           <a:prstGeom prst="rect">
             <a:avLst/>
@@ -6715,16 +6489,133 @@
           <a:p>
             <a:r>
               <a:rPr lang="ko-KR" altLang="en-US" sz="2400" dirty="0" smtClean="0"/>
-              <a:t>주제</a:t>
+              <a:t>프로젝트</a:t>
+            </a:r>
+            <a:r>
+              <a:rPr lang="en-US" altLang="ko-KR" sz="2400" dirty="0"/>
+              <a:t> </a:t>
+            </a:r>
+            <a:r>
+              <a:rPr lang="ko-KR" altLang="en-US" sz="2400" dirty="0" smtClean="0"/>
+              <a:t>일정 진행</a:t>
             </a:r>
             <a:endParaRPr lang="en-US" altLang="ko-KR" sz="2400" dirty="0" smtClean="0"/>
           </a:p>
         </p:txBody>
       </p:sp>
+      <p:sp>
+        <p:nvSpPr>
+          <p:cNvPr id="5" name="TextBox 4"/>
+          <p:cNvSpPr txBox="1"/>
+          <p:nvPr/>
+        </p:nvSpPr>
+        <p:spPr>
+          <a:xfrm>
+            <a:off x="5186937" y="1005846"/>
+            <a:ext cx="1818125" cy="461665"/>
+          </a:xfrm>
+          <a:prstGeom prst="rect">
+            <a:avLst/>
+          </a:prstGeom>
+          <a:noFill/>
+        </p:spPr>
+        <p:txBody>
+          <a:bodyPr wrap="none" rtlCol="0">
+            <a:spAutoFit/>
+          </a:bodyPr>
+          <a:lstStyle/>
+          <a:p>
+            <a:pPr algn="ctr"/>
+            <a:r>
+              <a:rPr lang="en-US" altLang="ko-KR" sz="2400" dirty="0" smtClean="0"/>
+              <a:t>Gantt Chart</a:t>
+            </a:r>
+          </a:p>
+        </p:txBody>
+      </p:sp>
+      <p:sp>
+        <p:nvSpPr>
+          <p:cNvPr id="8" name="TextBox 7"/>
+          <p:cNvSpPr txBox="1"/>
+          <p:nvPr/>
+        </p:nvSpPr>
+        <p:spPr>
+          <a:xfrm>
+            <a:off x="4663558" y="3949941"/>
+            <a:ext cx="2864887" cy="461665"/>
+          </a:xfrm>
+          <a:prstGeom prst="rect">
+            <a:avLst/>
+          </a:prstGeom>
+          <a:noFill/>
+        </p:spPr>
+        <p:txBody>
+          <a:bodyPr wrap="none" rtlCol="0">
+            <a:spAutoFit/>
+          </a:bodyPr>
+          <a:lstStyle/>
+          <a:p>
+            <a:pPr algn="ctr"/>
+            <a:r>
+              <a:rPr lang="ko-KR" altLang="en-US" sz="2400" dirty="0" smtClean="0"/>
+              <a:t>프로젝트 일정 관리</a:t>
+            </a:r>
+            <a:endParaRPr lang="en-US" altLang="ko-KR" sz="2400" dirty="0" smtClean="0"/>
+          </a:p>
+        </p:txBody>
+      </p:sp>
+      <p:pic>
+        <p:nvPicPr>
+          <p:cNvPr id="6" name="그림 5"/>
+          <p:cNvPicPr>
+            <a:picLocks noChangeAspect="1"/>
+          </p:cNvPicPr>
+          <p:nvPr/>
+        </p:nvPicPr>
+        <p:blipFill>
+          <a:blip r:embed="rId2"/>
+          <a:stretch>
+            <a:fillRect/>
+          </a:stretch>
+        </p:blipFill>
+        <p:spPr>
+          <a:xfrm>
+            <a:off x="0" y="1467511"/>
+            <a:ext cx="12192000" cy="2332926"/>
+          </a:xfrm>
+          <a:prstGeom prst="rect">
+            <a:avLst/>
+          </a:prstGeom>
+        </p:spPr>
+      </p:pic>
+      <p:pic>
+        <p:nvPicPr>
+          <p:cNvPr id="10" name="그림 9"/>
+          <p:cNvPicPr>
+            <a:picLocks noChangeAspect="1"/>
+          </p:cNvPicPr>
+          <p:nvPr/>
+        </p:nvPicPr>
+        <p:blipFill>
+          <a:blip r:embed="rId3"/>
+          <a:stretch>
+            <a:fillRect/>
+          </a:stretch>
+        </p:blipFill>
+        <p:spPr>
+          <a:xfrm>
+            <a:off x="0" y="4411606"/>
+            <a:ext cx="12192000" cy="1939215"/>
+          </a:xfrm>
+          <a:prstGeom prst="rect">
+            <a:avLst/>
+          </a:prstGeom>
+        </p:spPr>
+      </p:pic>
     </p:spTree>
     <p:extLst>
       <p:ext uri="{BB962C8B-B14F-4D97-AF65-F5344CB8AC3E}">
-        <p14:creationId xmlns:p14="http://schemas.microsoft.com/office/powerpoint/2010/main" val="122309695"/>
+        <p14:creationId xmlns:p14="http://schemas.microsoft.com/office/powerpoint/2010/main" val="759338408"/>
       </p:ext>
     </p:extLst>
   </p:cSld>

--- a/기타/발표 자료/메인 발표 시트(양식 이대로 안 합니다, 빨리 짠다고 진짜 골자만 짠 거에요. 그냥 텍스트만 보시고 이렇게 있구나 하시면 도비니다).pptx
+++ b/기타/발표 자료/메인 발표 시트(양식 이대로 안 합니다, 빨리 짠다고 진짜 골자만 짠 거에요. 그냥 텍스트만 보시고 이렇게 있구나 하시면 도비니다).pptx
@@ -14,13 +14,14 @@
     <p:sldId id="280" r:id="rId8"/>
     <p:sldId id="281" r:id="rId9"/>
     <p:sldId id="268" r:id="rId10"/>
-    <p:sldId id="269" r:id="rId11"/>
-    <p:sldId id="274" r:id="rId12"/>
-    <p:sldId id="273" r:id="rId13"/>
-    <p:sldId id="270" r:id="rId14"/>
-    <p:sldId id="271" r:id="rId15"/>
-    <p:sldId id="275" r:id="rId16"/>
-    <p:sldId id="272" r:id="rId17"/>
+    <p:sldId id="282" r:id="rId11"/>
+    <p:sldId id="269" r:id="rId12"/>
+    <p:sldId id="274" r:id="rId13"/>
+    <p:sldId id="273" r:id="rId14"/>
+    <p:sldId id="270" r:id="rId15"/>
+    <p:sldId id="271" r:id="rId16"/>
+    <p:sldId id="275" r:id="rId17"/>
+    <p:sldId id="272" r:id="rId18"/>
   </p:sldIdLst>
   <p:sldSz cx="12192000" cy="6858000"/>
   <p:notesSz cx="6858000" cy="9144000"/>
@@ -3286,7 +3287,7 @@
         <p:spPr>
           <a:xfrm>
             <a:off x="0" y="0"/>
-            <a:ext cx="1524776" cy="830997"/>
+            <a:ext cx="2864887" cy="461665"/>
           </a:xfrm>
           <a:prstGeom prst="rect">
             <a:avLst/>
@@ -3301,18 +3302,76 @@
           <a:p>
             <a:r>
               <a:rPr lang="ko-KR" altLang="en-US" sz="2400" dirty="0" smtClean="0"/>
-              <a:t>코드 구성</a:t>
+              <a:t>프로젝트</a:t>
+            </a:r>
+            <a:r>
+              <a:rPr lang="en-US" altLang="ko-KR" sz="2400" dirty="0"/>
+              <a:t> </a:t>
+            </a:r>
+            <a:r>
+              <a:rPr lang="ko-KR" altLang="en-US" sz="2400" dirty="0" smtClean="0"/>
+              <a:t>일정 진행</a:t>
             </a:r>
             <a:endParaRPr lang="en-US" altLang="ko-KR" sz="2400" dirty="0" smtClean="0"/>
           </a:p>
-          <a:p>
+        </p:txBody>
+      </p:sp>
+      <p:sp>
+        <p:nvSpPr>
+          <p:cNvPr id="5" name="TextBox 4"/>
+          <p:cNvSpPr txBox="1"/>
+          <p:nvPr/>
+        </p:nvSpPr>
+        <p:spPr>
+          <a:xfrm>
+            <a:off x="5186937" y="1005846"/>
+            <a:ext cx="1818125" cy="461665"/>
+          </a:xfrm>
+          <a:prstGeom prst="rect">
+            <a:avLst/>
+          </a:prstGeom>
+          <a:noFill/>
+        </p:spPr>
+        <p:txBody>
+          <a:bodyPr wrap="none" rtlCol="0">
+            <a:spAutoFit/>
+          </a:bodyPr>
+          <a:lstStyle/>
+          <a:p>
+            <a:pPr algn="ctr"/>
             <a:r>
               <a:rPr lang="en-US" altLang="ko-KR" sz="2400" dirty="0" smtClean="0"/>
-              <a:t>CSV</a:t>
-            </a:r>
-            <a:r>
-              <a:rPr lang="ko-KR" altLang="en-US" sz="2400" dirty="0" smtClean="0"/>
-              <a:t>파일</a:t>
+              <a:t>Gantt Chart</a:t>
+            </a:r>
+          </a:p>
+        </p:txBody>
+      </p:sp>
+      <p:sp>
+        <p:nvSpPr>
+          <p:cNvPr id="8" name="TextBox 7"/>
+          <p:cNvSpPr txBox="1"/>
+          <p:nvPr/>
+        </p:nvSpPr>
+        <p:spPr>
+          <a:xfrm>
+            <a:off x="4663558" y="3949941"/>
+            <a:ext cx="2864887" cy="461665"/>
+          </a:xfrm>
+          <a:prstGeom prst="rect">
+            <a:avLst/>
+          </a:prstGeom>
+          <a:noFill/>
+        </p:spPr>
+        <p:txBody>
+          <a:bodyPr wrap="none" rtlCol="0">
+            <a:spAutoFit/>
+          </a:bodyPr>
+          <a:lstStyle/>
+          <a:p>
+            <a:pPr algn="ctr"/>
+            <a:r>
+              <a:rPr lang="ko-KR" altLang="en-US" sz="2400" dirty="0" smtClean="0"/>
+              <a:t>프로젝트 일정 관리</a:t>
             </a:r>
             <a:endParaRPr lang="en-US" altLang="ko-KR" sz="2400" dirty="0" smtClean="0"/>
           </a:p>
@@ -3320,28 +3379,46 @@
       </p:sp>
       <p:pic>
         <p:nvPicPr>
-          <p:cNvPr id="5" name="그림 4"/>
+          <p:cNvPr id="6" name="그림 5"/>
           <p:cNvPicPr>
             <a:picLocks noChangeAspect="1"/>
           </p:cNvPicPr>
           <p:nvPr/>
         </p:nvPicPr>
         <p:blipFill>
-          <a:blip r:embed="rId2">
-            <a:extLst>
-              <a:ext uri="{28A0092B-C50C-407E-A947-70E740481C1C}">
-                <a14:useLocalDpi xmlns:a14="http://schemas.microsoft.com/office/drawing/2010/main" val="0"/>
-              </a:ext>
-            </a:extLst>
-          </a:blip>
+          <a:blip r:embed="rId2"/>
           <a:stretch>
             <a:fillRect/>
           </a:stretch>
         </p:blipFill>
         <p:spPr>
           <a:xfrm>
-            <a:off x="2366962" y="157162"/>
-            <a:ext cx="7458075" cy="6543675"/>
+            <a:off x="0" y="1467511"/>
+            <a:ext cx="12192000" cy="2332926"/>
+          </a:xfrm>
+          <a:prstGeom prst="rect">
+            <a:avLst/>
+          </a:prstGeom>
+        </p:spPr>
+      </p:pic>
+      <p:pic>
+        <p:nvPicPr>
+          <p:cNvPr id="2" name="그림 1"/>
+          <p:cNvPicPr>
+            <a:picLocks noChangeAspect="1"/>
+          </p:cNvPicPr>
+          <p:nvPr/>
+        </p:nvPicPr>
+        <p:blipFill>
+          <a:blip r:embed="rId3"/>
+          <a:stretch>
+            <a:fillRect/>
+          </a:stretch>
+        </p:blipFill>
+        <p:spPr>
+          <a:xfrm>
+            <a:off x="1" y="4411606"/>
+            <a:ext cx="12192000" cy="1959263"/>
           </a:xfrm>
           <a:prstGeom prst="rect">
             <a:avLst/>
@@ -3351,7 +3428,7 @@
     </p:spTree>
     <p:extLst>
       <p:ext uri="{BB962C8B-B14F-4D97-AF65-F5344CB8AC3E}">
-        <p14:creationId xmlns:p14="http://schemas.microsoft.com/office/powerpoint/2010/main" val="3933674020"/>
+        <p14:creationId xmlns:p14="http://schemas.microsoft.com/office/powerpoint/2010/main" val="716891875"/>
       </p:ext>
     </p:extLst>
   </p:cSld>
@@ -3474,7 +3551,7 @@
       </p:sp>
       <p:pic>
         <p:nvPicPr>
-          <p:cNvPr id="2" name="그림 1"/>
+          <p:cNvPr id="5" name="그림 4"/>
           <p:cNvPicPr>
             <a:picLocks noChangeAspect="1"/>
           </p:cNvPicPr>
@@ -3494,8 +3571,8 @@
         </p:blipFill>
         <p:spPr>
           <a:xfrm>
-            <a:off x="2371725" y="957262"/>
-            <a:ext cx="7448550" cy="4943475"/>
+            <a:off x="2366962" y="157162"/>
+            <a:ext cx="7458075" cy="6543675"/>
           </a:xfrm>
           <a:prstGeom prst="rect">
             <a:avLst/>
@@ -3505,7 +3582,7 @@
     </p:spTree>
     <p:extLst>
       <p:ext uri="{BB962C8B-B14F-4D97-AF65-F5344CB8AC3E}">
-        <p14:creationId xmlns:p14="http://schemas.microsoft.com/office/powerpoint/2010/main" val="654516948"/>
+        <p14:creationId xmlns:p14="http://schemas.microsoft.com/office/powerpoint/2010/main" val="3933674020"/>
       </p:ext>
     </p:extLst>
   </p:cSld>
@@ -3594,7 +3671,7 @@
         <p:spPr>
           <a:xfrm>
             <a:off x="0" y="0"/>
-            <a:ext cx="1524776" cy="461665"/>
+            <a:ext cx="1524776" cy="830997"/>
           </a:xfrm>
           <a:prstGeom prst="rect">
             <a:avLst/>
@@ -3613,12 +3690,53 @@
             </a:r>
             <a:endParaRPr lang="en-US" altLang="ko-KR" sz="2400" dirty="0" smtClean="0"/>
           </a:p>
-        </p:txBody>
-      </p:sp>
+          <a:p>
+            <a:r>
+              <a:rPr lang="en-US" altLang="ko-KR" sz="2400" dirty="0" smtClean="0"/>
+              <a:t>CSV</a:t>
+            </a:r>
+            <a:r>
+              <a:rPr lang="ko-KR" altLang="en-US" sz="2400" dirty="0" smtClean="0"/>
+              <a:t>파일</a:t>
+            </a:r>
+            <a:endParaRPr lang="en-US" altLang="ko-KR" sz="2400" dirty="0" smtClean="0"/>
+          </a:p>
+        </p:txBody>
+      </p:sp>
+      <p:pic>
+        <p:nvPicPr>
+          <p:cNvPr id="2" name="그림 1"/>
+          <p:cNvPicPr>
+            <a:picLocks noChangeAspect="1"/>
+          </p:cNvPicPr>
+          <p:nvPr/>
+        </p:nvPicPr>
+        <p:blipFill>
+          <a:blip r:embed="rId2">
+            <a:extLst>
+              <a:ext uri="{28A0092B-C50C-407E-A947-70E740481C1C}">
+                <a14:useLocalDpi xmlns:a14="http://schemas.microsoft.com/office/drawing/2010/main" val="0"/>
+              </a:ext>
+            </a:extLst>
+          </a:blip>
+          <a:stretch>
+            <a:fillRect/>
+          </a:stretch>
+        </p:blipFill>
+        <p:spPr>
+          <a:xfrm>
+            <a:off x="2371725" y="957262"/>
+            <a:ext cx="7448550" cy="4943475"/>
+          </a:xfrm>
+          <a:prstGeom prst="rect">
+            <a:avLst/>
+          </a:prstGeom>
+        </p:spPr>
+      </p:pic>
     </p:spTree>
     <p:extLst>
       <p:ext uri="{BB962C8B-B14F-4D97-AF65-F5344CB8AC3E}">
-        <p14:creationId xmlns:p14="http://schemas.microsoft.com/office/powerpoint/2010/main" val="157257909"/>
+        <p14:creationId xmlns:p14="http://schemas.microsoft.com/office/powerpoint/2010/main" val="654516948"/>
       </p:ext>
     </p:extLst>
   </p:cSld>
@@ -3722,7 +3840,7 @@
           <a:p>
             <a:r>
               <a:rPr lang="ko-KR" altLang="en-US" sz="2400" dirty="0" smtClean="0"/>
-              <a:t>실행 결과</a:t>
+              <a:t>코드 구성</a:t>
             </a:r>
             <a:endParaRPr lang="en-US" altLang="ko-KR" sz="2400" dirty="0" smtClean="0"/>
           </a:p>
@@ -3730,66 +3848,50 @@
       </p:sp>
       <p:sp>
         <p:nvSpPr>
-          <p:cNvPr id="5" name="직사각형 4"/>
-          <p:cNvSpPr/>
+          <p:cNvPr id="5" name="TextBox 4"/>
+          <p:cNvSpPr txBox="1"/>
           <p:nvPr/>
         </p:nvSpPr>
         <p:spPr>
           <a:xfrm>
-            <a:off x="2065200" y="1237373"/>
-            <a:ext cx="8061600" cy="4383253"/>
+            <a:off x="3801141" y="3198167"/>
+            <a:ext cx="4589718" cy="461665"/>
           </a:xfrm>
           <a:prstGeom prst="rect">
             <a:avLst/>
           </a:prstGeom>
-          <a:solidFill>
-            <a:schemeClr val="accent4">
-              <a:alpha val="50000"/>
-            </a:schemeClr>
-          </a:solidFill>
-          <a:ln>
-            <a:noFill/>
-          </a:ln>
-        </p:spPr>
-        <p:style>
-          <a:lnRef idx="0">
-            <a:scrgbClr r="0" g="0" b="0"/>
-          </a:lnRef>
-          <a:fillRef idx="0">
-            <a:scrgbClr r="0" g="0" b="0"/>
-          </a:fillRef>
-          <a:effectRef idx="0">
-            <a:scrgbClr r="0" g="0" b="0"/>
-          </a:effectRef>
-          <a:fontRef idx="minor">
-            <a:schemeClr val="lt1"/>
-          </a:fontRef>
-        </p:style>
-        <p:txBody>
-          <a:bodyPr rtlCol="0" anchor="ctr"/>
-          <a:lstStyle/>
-          <a:p>
-            <a:pPr algn="ctr"/>
-            <a:r>
-              <a:rPr lang="ko-KR" altLang="en-US" dirty="0" smtClean="0"/>
-              <a:t>영상 주소 또는 </a:t>
-            </a:r>
-            <a:r>
-              <a:rPr lang="en-US" altLang="ko-KR" dirty="0" smtClean="0"/>
-              <a:t>GIF</a:t>
-            </a:r>
-            <a:r>
-              <a:rPr lang="ko-KR" altLang="en-US" dirty="0" smtClean="0"/>
-              <a:t>로 편집한 파일</a:t>
-            </a:r>
-            <a:endParaRPr lang="ko-KR" altLang="en-US" dirty="0"/>
+          <a:noFill/>
+        </p:spPr>
+        <p:txBody>
+          <a:bodyPr wrap="none" rtlCol="0">
+            <a:spAutoFit/>
+          </a:bodyPr>
+          <a:lstStyle/>
+          <a:p>
+            <a:r>
+              <a:rPr lang="ko-KR" altLang="en-US" sz="2400" dirty="0" smtClean="0"/>
+              <a:t>개인 제출 </a:t>
+            </a:r>
+            <a:r>
+              <a:rPr lang="en-US" altLang="ko-KR" sz="2400" dirty="0" smtClean="0"/>
+              <a:t>PPT </a:t>
+            </a:r>
+            <a:r>
+              <a:rPr lang="ko-KR" altLang="en-US" sz="2400" dirty="0" smtClean="0"/>
+              <a:t>합칠 예정입니다</a:t>
+            </a:r>
+            <a:r>
+              <a:rPr lang="en-US" altLang="ko-KR" sz="2400" dirty="0" smtClean="0"/>
+              <a:t>.</a:t>
+            </a:r>
+            <a:endParaRPr lang="en-US" altLang="ko-KR" sz="2400" dirty="0" smtClean="0"/>
           </a:p>
         </p:txBody>
       </p:sp>
     </p:spTree>
     <p:extLst>
       <p:ext uri="{BB962C8B-B14F-4D97-AF65-F5344CB8AC3E}">
-        <p14:creationId xmlns:p14="http://schemas.microsoft.com/office/powerpoint/2010/main" val="184044824"/>
+        <p14:creationId xmlns:p14="http://schemas.microsoft.com/office/powerpoint/2010/main" val="157257909"/>
       </p:ext>
     </p:extLst>
   </p:cSld>
@@ -3878,7 +3980,7 @@
         <p:spPr>
           <a:xfrm>
             <a:off x="0" y="0"/>
-            <a:ext cx="2448106" cy="461665"/>
+            <a:ext cx="1524776" cy="461665"/>
           </a:xfrm>
           <a:prstGeom prst="rect">
             <a:avLst/>
@@ -3893,7 +3995,7 @@
           <a:p>
             <a:r>
               <a:rPr lang="ko-KR" altLang="en-US" sz="2400" dirty="0" smtClean="0"/>
-              <a:t>프로젝트 피드백</a:t>
+              <a:t>실행 결과</a:t>
             </a:r>
             <a:endParaRPr lang="en-US" altLang="ko-KR" sz="2400" dirty="0" smtClean="0"/>
           </a:p>
@@ -3901,98 +4003,66 @@
       </p:sp>
       <p:sp>
         <p:nvSpPr>
-          <p:cNvPr id="5" name="TextBox 4"/>
-          <p:cNvSpPr txBox="1"/>
+          <p:cNvPr id="5" name="직사각형 4"/>
+          <p:cNvSpPr/>
           <p:nvPr/>
         </p:nvSpPr>
         <p:spPr>
           <a:xfrm>
-            <a:off x="478129" y="2090172"/>
-            <a:ext cx="11235768" cy="1200329"/>
+            <a:off x="2065200" y="1237373"/>
+            <a:ext cx="8061600" cy="4383253"/>
           </a:xfrm>
           <a:prstGeom prst="rect">
             <a:avLst/>
           </a:prstGeom>
-          <a:noFill/>
-        </p:spPr>
-        <p:txBody>
-          <a:bodyPr wrap="none" rtlCol="0">
-            <a:spAutoFit/>
-          </a:bodyPr>
-          <a:lstStyle/>
-          <a:p>
-            <a:pPr marL="457200" indent="-457200" algn="ctr">
-              <a:buAutoNum type="arabicPeriod"/>
-            </a:pPr>
-            <a:r>
-              <a:rPr lang="ko-KR" altLang="en-US" sz="2400" dirty="0" smtClean="0"/>
-              <a:t>데이터 위조</a:t>
-            </a:r>
-            <a:r>
-              <a:rPr lang="en-US" altLang="ko-KR" sz="2400" dirty="0" smtClean="0"/>
-              <a:t>, </a:t>
-            </a:r>
-            <a:r>
-              <a:rPr lang="ko-KR" altLang="en-US" sz="2400" dirty="0" smtClean="0"/>
-              <a:t>변조</a:t>
-            </a:r>
-            <a:r>
-              <a:rPr lang="en-US" altLang="ko-KR" sz="2400" dirty="0" smtClean="0"/>
-              <a:t>, </a:t>
-            </a:r>
-            <a:r>
-              <a:rPr lang="ko-KR" altLang="en-US" sz="2400" dirty="0" smtClean="0"/>
-              <a:t>탈취에 취약하다</a:t>
-            </a:r>
-            <a:r>
-              <a:rPr lang="en-US" altLang="ko-KR" sz="2400" dirty="0" smtClean="0"/>
-              <a:t>.</a:t>
-            </a:r>
-          </a:p>
-          <a:p>
-            <a:pPr marL="457200" indent="-457200" algn="ctr">
-              <a:buAutoNum type="arabicPeriod"/>
-            </a:pPr>
-            <a:r>
-              <a:rPr lang="en-US" altLang="ko-KR" sz="2400" dirty="0" smtClean="0"/>
-              <a:t>CSV</a:t>
-            </a:r>
-            <a:r>
-              <a:rPr lang="ko-KR" altLang="en-US" sz="2400" dirty="0" smtClean="0"/>
-              <a:t>파일을 사용하므로 </a:t>
-            </a:r>
-            <a:r>
-              <a:rPr lang="en-US" altLang="ko-KR" sz="2400" dirty="0" smtClean="0"/>
-              <a:t>CSV</a:t>
-            </a:r>
-            <a:r>
-              <a:rPr lang="ko-KR" altLang="en-US" sz="2400" dirty="0" smtClean="0"/>
-              <a:t>형식의 단점을 공유한다</a:t>
-            </a:r>
-            <a:r>
-              <a:rPr lang="en-US" altLang="ko-KR" sz="2400" dirty="0" smtClean="0"/>
-              <a:t>.</a:t>
-            </a:r>
-          </a:p>
-          <a:p>
-            <a:pPr marL="457200" indent="-457200" algn="ctr">
-              <a:buAutoNum type="arabicPeriod"/>
-            </a:pPr>
-            <a:r>
-              <a:rPr lang="ko-KR" altLang="en-US" sz="2400" dirty="0" smtClean="0"/>
-              <a:t>실수로 데이터를 잘못 지우는 경우를 대비해 주기적으로 손수 백업해야 한다</a:t>
-            </a:r>
-            <a:r>
-              <a:rPr lang="en-US" altLang="ko-KR" sz="2400" dirty="0" smtClean="0"/>
-              <a:t>.</a:t>
-            </a:r>
+          <a:solidFill>
+            <a:schemeClr val="accent4">
+              <a:alpha val="50000"/>
+            </a:schemeClr>
+          </a:solidFill>
+          <a:ln>
+            <a:noFill/>
+          </a:ln>
+        </p:spPr>
+        <p:style>
+          <a:lnRef idx="0">
+            <a:scrgbClr r="0" g="0" b="0"/>
+          </a:lnRef>
+          <a:fillRef idx="0">
+            <a:scrgbClr r="0" g="0" b="0"/>
+          </a:fillRef>
+          <a:effectRef idx="0">
+            <a:scrgbClr r="0" g="0" b="0"/>
+          </a:effectRef>
+          <a:fontRef idx="minor">
+            <a:schemeClr val="lt1"/>
+          </a:fontRef>
+        </p:style>
+        <p:txBody>
+          <a:bodyPr rtlCol="0" anchor="ctr"/>
+          <a:lstStyle/>
+          <a:p>
+            <a:pPr algn="ctr"/>
+            <a:r>
+              <a:rPr lang="ko-KR" altLang="en-US" dirty="0" smtClean="0"/>
+              <a:t>영상 주소 또는 </a:t>
+            </a:r>
+            <a:r>
+              <a:rPr lang="en-US" altLang="ko-KR" dirty="0" smtClean="0"/>
+              <a:t>GIF</a:t>
+            </a:r>
+            <a:r>
+              <a:rPr lang="ko-KR" altLang="en-US" dirty="0" smtClean="0"/>
+              <a:t>로 편집한 파일</a:t>
+            </a:r>
+            <a:endParaRPr lang="ko-KR" altLang="en-US" dirty="0"/>
           </a:p>
         </p:txBody>
       </p:sp>
     </p:spTree>
     <p:extLst>
       <p:ext uri="{BB962C8B-B14F-4D97-AF65-F5344CB8AC3E}">
-        <p14:creationId xmlns:p14="http://schemas.microsoft.com/office/powerpoint/2010/main" val="1027095995"/>
+        <p14:creationId xmlns:p14="http://schemas.microsoft.com/office/powerpoint/2010/main" val="184044824"/>
       </p:ext>
     </p:extLst>
   </p:cSld>
@@ -4081,7 +4151,7 @@
         <p:spPr>
           <a:xfrm>
             <a:off x="0" y="0"/>
-            <a:ext cx="2448106" cy="830997"/>
+            <a:ext cx="2448106" cy="461665"/>
           </a:xfrm>
           <a:prstGeom prst="rect">
             <a:avLst/>
@@ -4100,13 +4170,6 @@
             </a:r>
             <a:endParaRPr lang="en-US" altLang="ko-KR" sz="2400" dirty="0" smtClean="0"/>
           </a:p>
-          <a:p>
-            <a:r>
-              <a:rPr lang="ko-KR" altLang="en-US" sz="2400" dirty="0" err="1" smtClean="0"/>
-              <a:t>김신혁</a:t>
-            </a:r>
-            <a:endParaRPr lang="en-US" altLang="ko-KR" sz="2400" dirty="0" smtClean="0"/>
-          </a:p>
         </p:txBody>
       </p:sp>
       <p:sp>
@@ -4117,8 +4180,8 @@
         </p:nvSpPr>
         <p:spPr>
           <a:xfrm>
-            <a:off x="894920" y="2090172"/>
-            <a:ext cx="10402207" cy="1569660"/>
+            <a:off x="478129" y="2090172"/>
+            <a:ext cx="11235768" cy="1200329"/>
           </a:xfrm>
           <a:prstGeom prst="rect">
             <a:avLst/>
@@ -4136,7 +4199,23 @@
             </a:pPr>
             <a:r>
               <a:rPr lang="ko-KR" altLang="en-US" sz="2400" dirty="0" smtClean="0"/>
-              <a:t>함수 하나 당 하나의 기능만 하도록 만들자</a:t>
+              <a:t>데이터 위조</a:t>
+            </a:r>
+            <a:r>
+              <a:rPr lang="en-US" altLang="ko-KR" sz="2400" dirty="0" smtClean="0"/>
+              <a:t>, </a:t>
+            </a:r>
+            <a:r>
+              <a:rPr lang="ko-KR" altLang="en-US" sz="2400" dirty="0" smtClean="0"/>
+              <a:t>변조</a:t>
+            </a:r>
+            <a:r>
+              <a:rPr lang="en-US" altLang="ko-KR" sz="2400" dirty="0" smtClean="0"/>
+              <a:t>, </a:t>
+            </a:r>
+            <a:r>
+              <a:rPr lang="ko-KR" altLang="en-US" sz="2400" dirty="0" smtClean="0"/>
+              <a:t>탈취에 취약하다</a:t>
             </a:r>
             <a:r>
               <a:rPr lang="en-US" altLang="ko-KR" sz="2400" dirty="0" smtClean="0"/>
@@ -4148,16 +4227,20 @@
               <a:buAutoNum type="arabicPeriod"/>
             </a:pPr>
             <a:r>
-              <a:rPr lang="ko-KR" altLang="en-US" sz="2400" dirty="0" smtClean="0"/>
-              <a:t>함수를 재활용하기 편하도록 구상을 하고 </a:t>
-            </a:r>
-            <a:r>
-              <a:rPr lang="ko-KR" altLang="en-US" sz="2400" dirty="0" err="1" smtClean="0"/>
-              <a:t>헤더파일로</a:t>
-            </a:r>
-            <a:r>
-              <a:rPr lang="ko-KR" altLang="en-US" sz="2400" dirty="0" smtClean="0"/>
-              <a:t> 만들어 관리하자</a:t>
+              <a:rPr lang="en-US" altLang="ko-KR" sz="2400" dirty="0" smtClean="0"/>
+              <a:t>CSV</a:t>
+            </a:r>
+            <a:r>
+              <a:rPr lang="ko-KR" altLang="en-US" sz="2400" dirty="0" smtClean="0"/>
+              <a:t>파일을 사용하므로 </a:t>
+            </a:r>
+            <a:r>
+              <a:rPr lang="en-US" altLang="ko-KR" sz="2400" dirty="0" smtClean="0"/>
+              <a:t>CSV</a:t>
+            </a:r>
+            <a:r>
+              <a:rPr lang="ko-KR" altLang="en-US" sz="2400" dirty="0" smtClean="0"/>
+              <a:t>형식의 단점을 공유한다</a:t>
             </a:r>
             <a:r>
               <a:rPr lang="en-US" altLang="ko-KR" sz="2400" dirty="0" smtClean="0"/>
@@ -4170,32 +4253,7 @@
             </a:pPr>
             <a:r>
               <a:rPr lang="ko-KR" altLang="en-US" sz="2400" dirty="0" smtClean="0"/>
-              <a:t>관리자 모드에서 예외 처리를 영리하게 처리하도록 하자</a:t>
-            </a:r>
-            <a:r>
-              <a:rPr lang="en-US" altLang="ko-KR" sz="2400" dirty="0" smtClean="0"/>
-              <a:t>.</a:t>
-            </a:r>
-          </a:p>
-          <a:p>
-            <a:pPr marL="457200" indent="-457200" algn="ctr">
-              <a:buAutoNum type="arabicPeriod"/>
-            </a:pPr>
-            <a:r>
-              <a:rPr lang="en-US" altLang="ko-KR" sz="2400" dirty="0" smtClean="0"/>
-              <a:t>Window OS</a:t>
-            </a:r>
-            <a:r>
-              <a:rPr lang="ko-KR" altLang="en-US" sz="2400" dirty="0" smtClean="0"/>
-              <a:t>와 </a:t>
-            </a:r>
-            <a:r>
-              <a:rPr lang="en-US" altLang="ko-KR" sz="2400" dirty="0" smtClean="0"/>
-              <a:t>MAC OS </a:t>
-            </a:r>
-            <a:r>
-              <a:rPr lang="ko-KR" altLang="en-US" sz="2400" dirty="0" smtClean="0"/>
-              <a:t>환경 차이에서 오는 코드 차이를 잘 구별하자</a:t>
+              <a:t>실수로 데이터를 잘못 지우는 경우를 대비해 주기적으로 손수 백업해야 한다</a:t>
             </a:r>
             <a:r>
               <a:rPr lang="en-US" altLang="ko-KR" sz="2400" dirty="0" smtClean="0"/>
@@ -4207,7 +4265,7 @@
     </p:spTree>
     <p:extLst>
       <p:ext uri="{BB962C8B-B14F-4D97-AF65-F5344CB8AC3E}">
-        <p14:creationId xmlns:p14="http://schemas.microsoft.com/office/powerpoint/2010/main" val="3589339428"/>
+        <p14:creationId xmlns:p14="http://schemas.microsoft.com/office/powerpoint/2010/main" val="1027095995"/>
       </p:ext>
     </p:extLst>
   </p:cSld>
@@ -4296,7 +4354,7 @@
         <p:spPr>
           <a:xfrm>
             <a:off x="0" y="0"/>
-            <a:ext cx="1107996" cy="461665"/>
+            <a:ext cx="2448106" cy="830997"/>
           </a:xfrm>
           <a:prstGeom prst="rect">
             <a:avLst/>
@@ -4311,7 +4369,252 @@
           <a:p>
             <a:r>
               <a:rPr lang="ko-KR" altLang="en-US" sz="2400" dirty="0" smtClean="0"/>
+              <a:t>프로젝트 피드백</a:t>
+            </a:r>
+            <a:endParaRPr lang="en-US" altLang="ko-KR" sz="2400" dirty="0" smtClean="0"/>
+          </a:p>
+          <a:p>
+            <a:r>
+              <a:rPr lang="ko-KR" altLang="en-US" sz="2400" dirty="0" err="1" smtClean="0"/>
+              <a:t>김신혁</a:t>
+            </a:r>
+            <a:endParaRPr lang="en-US" altLang="ko-KR" sz="2400" dirty="0" smtClean="0"/>
+          </a:p>
+        </p:txBody>
+      </p:sp>
+      <p:sp>
+        <p:nvSpPr>
+          <p:cNvPr id="5" name="TextBox 4"/>
+          <p:cNvSpPr txBox="1"/>
+          <p:nvPr/>
+        </p:nvSpPr>
+        <p:spPr>
+          <a:xfrm>
+            <a:off x="894920" y="2090172"/>
+            <a:ext cx="10402207" cy="1569660"/>
+          </a:xfrm>
+          <a:prstGeom prst="rect">
+            <a:avLst/>
+          </a:prstGeom>
+          <a:noFill/>
+        </p:spPr>
+        <p:txBody>
+          <a:bodyPr wrap="none" rtlCol="0">
+            <a:spAutoFit/>
+          </a:bodyPr>
+          <a:lstStyle/>
+          <a:p>
+            <a:pPr marL="457200" indent="-457200" algn="ctr">
+              <a:buAutoNum type="arabicPeriod"/>
+            </a:pPr>
+            <a:r>
+              <a:rPr lang="ko-KR" altLang="en-US" sz="2400" dirty="0" smtClean="0"/>
+              <a:t>함수 하나 당 하나의 기능만 하도록 만들자</a:t>
+            </a:r>
+            <a:r>
+              <a:rPr lang="en-US" altLang="ko-KR" sz="2400" dirty="0" smtClean="0"/>
+              <a:t>.</a:t>
+            </a:r>
+          </a:p>
+          <a:p>
+            <a:pPr marL="457200" indent="-457200" algn="ctr">
+              <a:buAutoNum type="arabicPeriod"/>
+            </a:pPr>
+            <a:r>
+              <a:rPr lang="ko-KR" altLang="en-US" sz="2400" dirty="0" smtClean="0"/>
+              <a:t>함수를 재활용하기 편하도록 구상을 하고 </a:t>
+            </a:r>
+            <a:r>
+              <a:rPr lang="ko-KR" altLang="en-US" sz="2400" dirty="0" err="1" smtClean="0"/>
+              <a:t>헤더파일로</a:t>
+            </a:r>
+            <a:r>
+              <a:rPr lang="ko-KR" altLang="en-US" sz="2400" dirty="0" smtClean="0"/>
+              <a:t> 만들어 관리하자</a:t>
+            </a:r>
+            <a:r>
+              <a:rPr lang="en-US" altLang="ko-KR" sz="2400" dirty="0" smtClean="0"/>
+              <a:t>.</a:t>
+            </a:r>
+          </a:p>
+          <a:p>
+            <a:pPr marL="457200" indent="-457200" algn="ctr">
+              <a:buAutoNum type="arabicPeriod"/>
+            </a:pPr>
+            <a:r>
+              <a:rPr lang="ko-KR" altLang="en-US" sz="2400" dirty="0" smtClean="0"/>
+              <a:t>관리자 모드에서 예외 처리를 영리하게 처리하도록 하자</a:t>
+            </a:r>
+            <a:r>
+              <a:rPr lang="en-US" altLang="ko-KR" sz="2400" dirty="0" smtClean="0"/>
+              <a:t>.</a:t>
+            </a:r>
+          </a:p>
+          <a:p>
+            <a:pPr marL="457200" indent="-457200" algn="ctr">
+              <a:buAutoNum type="arabicPeriod"/>
+            </a:pPr>
+            <a:r>
+              <a:rPr lang="en-US" altLang="ko-KR" sz="2400" dirty="0" smtClean="0"/>
+              <a:t>Window OS</a:t>
+            </a:r>
+            <a:r>
+              <a:rPr lang="ko-KR" altLang="en-US" sz="2400" dirty="0" smtClean="0"/>
+              <a:t>와 </a:t>
+            </a:r>
+            <a:r>
+              <a:rPr lang="en-US" altLang="ko-KR" sz="2400" dirty="0" smtClean="0"/>
+              <a:t>MAC OS </a:t>
+            </a:r>
+            <a:r>
+              <a:rPr lang="ko-KR" altLang="en-US" sz="2400" dirty="0" smtClean="0"/>
+              <a:t>환경 차이에서 오는 코드 차이를 잘 구별하자</a:t>
+            </a:r>
+            <a:r>
+              <a:rPr lang="en-US" altLang="ko-KR" sz="2400" dirty="0" smtClean="0"/>
+              <a:t>.</a:t>
+            </a:r>
+          </a:p>
+        </p:txBody>
+      </p:sp>
+    </p:spTree>
+    <p:extLst>
+      <p:ext uri="{BB962C8B-B14F-4D97-AF65-F5344CB8AC3E}">
+        <p14:creationId xmlns:p14="http://schemas.microsoft.com/office/powerpoint/2010/main" val="3589339428"/>
+      </p:ext>
+    </p:extLst>
+  </p:cSld>
+  <p:clrMapOvr>
+    <a:masterClrMapping/>
+  </p:clrMapOvr>
+  <p:timing>
+    <p:tnLst>
+      <p:par>
+        <p:cTn id="1" dur="indefinite" restart="never" nodeType="tmRoot"/>
+      </p:par>
+    </p:tnLst>
+  </p:timing>
+</p:sld>
+</file>
+
+<file path=ppt/slides/slide17.xml><?xml version="1.0" encoding="utf-8"?>
+<p:sld xmlns:a="http://schemas.openxmlformats.org/drawingml/2006/main" xmlns:r="http://schemas.openxmlformats.org/officeDocument/2006/relationships" xmlns:p="http://schemas.openxmlformats.org/presentationml/2006/main">
+  <p:cSld>
+    <p:spTree>
+      <p:nvGrpSpPr>
+        <p:cNvPr id="1" name=""/>
+        <p:cNvGrpSpPr/>
+        <p:nvPr/>
+      </p:nvGrpSpPr>
+      <p:grpSpPr>
+        <a:xfrm>
+          <a:off x="0" y="0"/>
+          <a:ext cx="0" cy="0"/>
+          <a:chOff x="0" y="0"/>
+          <a:chExt cx="0" cy="0"/>
+        </a:xfrm>
+      </p:grpSpPr>
+      <p:sp>
+        <p:nvSpPr>
+          <p:cNvPr id="4" name="직사각형 3"/>
+          <p:cNvSpPr/>
+          <p:nvPr/>
+        </p:nvSpPr>
+        <p:spPr>
+          <a:xfrm>
+            <a:off x="0" y="0"/>
+            <a:ext cx="12192000" cy="6858000"/>
+          </a:xfrm>
+          <a:prstGeom prst="rect">
+            <a:avLst/>
+          </a:prstGeom>
+          <a:noFill/>
+          <a:ln w="76200">
+            <a:solidFill>
+              <a:schemeClr val="accent4"/>
+            </a:solidFill>
+          </a:ln>
+        </p:spPr>
+        <p:style>
+          <a:lnRef idx="2">
+            <a:schemeClr val="accent1">
+              <a:shade val="50000"/>
+            </a:schemeClr>
+          </a:lnRef>
+          <a:fillRef idx="1">
+            <a:schemeClr val="accent1"/>
+          </a:fillRef>
+          <a:effectRef idx="0">
+            <a:schemeClr val="accent1"/>
+          </a:effectRef>
+          <a:fontRef idx="minor">
+            <a:schemeClr val="lt1"/>
+          </a:fontRef>
+        </p:style>
+        <p:txBody>
+          <a:bodyPr rtlCol="0" anchor="ctr"/>
+          <a:lstStyle/>
+          <a:p>
+            <a:pPr algn="ctr"/>
+            <a:endParaRPr lang="ko-KR" altLang="en-US"/>
+          </a:p>
+        </p:txBody>
+      </p:sp>
+      <p:sp>
+        <p:nvSpPr>
+          <p:cNvPr id="3" name="TextBox 2"/>
+          <p:cNvSpPr txBox="1"/>
+          <p:nvPr/>
+        </p:nvSpPr>
+        <p:spPr>
+          <a:xfrm>
+            <a:off x="0" y="0"/>
+            <a:ext cx="1107996" cy="461665"/>
+          </a:xfrm>
+          <a:prstGeom prst="rect">
+            <a:avLst/>
+          </a:prstGeom>
+          <a:noFill/>
+        </p:spPr>
+        <p:txBody>
+          <a:bodyPr wrap="none" rtlCol="0">
+            <a:spAutoFit/>
+          </a:bodyPr>
+          <a:lstStyle/>
+          <a:p>
+            <a:r>
+              <a:rPr lang="ko-KR" altLang="en-US" sz="2400" dirty="0" smtClean="0"/>
               <a:t>마무리</a:t>
+            </a:r>
+            <a:endParaRPr lang="en-US" altLang="ko-KR" sz="2400" dirty="0" smtClean="0"/>
+          </a:p>
+        </p:txBody>
+      </p:sp>
+      <p:sp>
+        <p:nvSpPr>
+          <p:cNvPr id="5" name="TextBox 4"/>
+          <p:cNvSpPr txBox="1"/>
+          <p:nvPr/>
+        </p:nvSpPr>
+        <p:spPr>
+          <a:xfrm>
+            <a:off x="5695890" y="3198167"/>
+            <a:ext cx="800219" cy="461665"/>
+          </a:xfrm>
+          <a:prstGeom prst="rect">
+            <a:avLst/>
+          </a:prstGeom>
+          <a:noFill/>
+        </p:spPr>
+        <p:txBody>
+          <a:bodyPr wrap="none" rtlCol="0">
+            <a:spAutoFit/>
+          </a:bodyPr>
+          <a:lstStyle/>
+          <a:p>
+            <a:r>
+              <a:rPr lang="ko-KR" altLang="en-US" sz="2400" dirty="0" smtClean="0"/>
+              <a:t>인사</a:t>
             </a:r>
             <a:endParaRPr lang="en-US" altLang="ko-KR" sz="2400" dirty="0" smtClean="0"/>
           </a:p>
@@ -5899,100 +6202,6 @@
       </p:sp>
       <p:sp>
         <p:nvSpPr>
-          <p:cNvPr id="6" name="TextBox 5"/>
-          <p:cNvSpPr txBox="1"/>
-          <p:nvPr/>
-        </p:nvSpPr>
-        <p:spPr>
-          <a:xfrm>
-            <a:off x="2433779" y="6858000"/>
-            <a:ext cx="7324441" cy="2677656"/>
-          </a:xfrm>
-          <a:prstGeom prst="rect">
-            <a:avLst/>
-          </a:prstGeom>
-          <a:noFill/>
-        </p:spPr>
-        <p:txBody>
-          <a:bodyPr wrap="none" rtlCol="0">
-            <a:spAutoFit/>
-          </a:bodyPr>
-          <a:lstStyle/>
-          <a:p>
-            <a:pPr algn="ctr"/>
-            <a:r>
-              <a:rPr lang="ko-KR" altLang="en-US" sz="2400" dirty="0" smtClean="0"/>
-              <a:t>프로젝트 기대 효과</a:t>
-            </a:r>
-            <a:endParaRPr lang="en-US" altLang="ko-KR" sz="2400" dirty="0" smtClean="0"/>
-          </a:p>
-          <a:p>
-            <a:pPr algn="ctr"/>
-            <a:endParaRPr lang="en-US" altLang="ko-KR" sz="2400" dirty="0" smtClean="0"/>
-          </a:p>
-          <a:p>
-            <a:pPr marL="457200" indent="-457200">
-              <a:buAutoNum type="arabicPeriod"/>
-            </a:pPr>
-            <a:endParaRPr lang="en-US" altLang="ko-KR" sz="2400" dirty="0" smtClean="0"/>
-          </a:p>
-          <a:p>
-            <a:pPr marL="457200" indent="-457200">
-              <a:buAutoNum type="arabicPeriod"/>
-            </a:pPr>
-            <a:r>
-              <a:rPr lang="ko-KR" altLang="en-US" sz="2400" dirty="0" smtClean="0"/>
-              <a:t>데이터 구조를 이해 할 수 있다</a:t>
-            </a:r>
-            <a:r>
-              <a:rPr lang="en-US" altLang="ko-KR" sz="2400" dirty="0" smtClean="0"/>
-              <a:t>.</a:t>
-            </a:r>
-          </a:p>
-          <a:p>
-            <a:pPr marL="457200" indent="-457200">
-              <a:buAutoNum type="arabicPeriod"/>
-            </a:pPr>
-            <a:r>
-              <a:rPr lang="ko-KR" altLang="en-US" sz="2400" dirty="0" smtClean="0"/>
-              <a:t>파일의 입출력 및 처리를 다룰 수 있다</a:t>
-            </a:r>
-            <a:r>
-              <a:rPr lang="en-US" altLang="ko-KR" sz="2400" dirty="0" smtClean="0"/>
-              <a:t>.</a:t>
-            </a:r>
-            <a:endParaRPr lang="en-US" altLang="ko-KR" sz="2400" dirty="0"/>
-          </a:p>
-          <a:p>
-            <a:pPr marL="457200" indent="-457200">
-              <a:buAutoNum type="arabicPeriod"/>
-            </a:pPr>
-            <a:r>
-              <a:rPr lang="ko-KR" altLang="en-US" sz="2400" dirty="0"/>
-              <a:t>팀 프로젝트 경험을 살릴 수 있다</a:t>
-            </a:r>
-            <a:r>
-              <a:rPr lang="en-US" altLang="ko-KR" sz="2400" dirty="0"/>
-              <a:t>.</a:t>
-            </a:r>
-          </a:p>
-          <a:p>
-            <a:pPr marL="457200" indent="-457200">
-              <a:buAutoNum type="arabicPeriod"/>
-            </a:pPr>
-            <a:r>
-              <a:rPr lang="ko-KR" altLang="en-US" sz="2400" dirty="0"/>
-              <a:t>다양한 작업 환경의 사람들과 협업을 할 수 있다</a:t>
-            </a:r>
-            <a:r>
-              <a:rPr lang="en-US" altLang="ko-KR" sz="2400" dirty="0"/>
-              <a:t>.</a:t>
-            </a:r>
-          </a:p>
-        </p:txBody>
-      </p:sp>
-      <p:sp>
-        <p:nvSpPr>
           <p:cNvPr id="8" name="TextBox 7"/>
           <p:cNvSpPr txBox="1"/>
           <p:nvPr/>
@@ -6218,100 +6427,6 @@
       </p:sp>
       <p:sp>
         <p:nvSpPr>
-          <p:cNvPr id="6" name="TextBox 5"/>
-          <p:cNvSpPr txBox="1"/>
-          <p:nvPr/>
-        </p:nvSpPr>
-        <p:spPr>
-          <a:xfrm>
-            <a:off x="2433779" y="6858000"/>
-            <a:ext cx="7324441" cy="2677656"/>
-          </a:xfrm>
-          <a:prstGeom prst="rect">
-            <a:avLst/>
-          </a:prstGeom>
-          <a:noFill/>
-        </p:spPr>
-        <p:txBody>
-          <a:bodyPr wrap="none" rtlCol="0">
-            <a:spAutoFit/>
-          </a:bodyPr>
-          <a:lstStyle/>
-          <a:p>
-            <a:pPr algn="ctr"/>
-            <a:r>
-              <a:rPr lang="ko-KR" altLang="en-US" sz="2400" dirty="0" smtClean="0"/>
-              <a:t>프로젝트 기대 효과</a:t>
-            </a:r>
-            <a:endParaRPr lang="en-US" altLang="ko-KR" sz="2400" dirty="0" smtClean="0"/>
-          </a:p>
-          <a:p>
-            <a:pPr algn="ctr"/>
-            <a:endParaRPr lang="en-US" altLang="ko-KR" sz="2400" dirty="0" smtClean="0"/>
-          </a:p>
-          <a:p>
-            <a:pPr marL="457200" indent="-457200">
-              <a:buAutoNum type="arabicPeriod"/>
-            </a:pPr>
-            <a:endParaRPr lang="en-US" altLang="ko-KR" sz="2400" dirty="0" smtClean="0"/>
-          </a:p>
-          <a:p>
-            <a:pPr marL="457200" indent="-457200">
-              <a:buAutoNum type="arabicPeriod"/>
-            </a:pPr>
-            <a:r>
-              <a:rPr lang="ko-KR" altLang="en-US" sz="2400" dirty="0" smtClean="0"/>
-              <a:t>데이터 구조를 이해 할 수 있다</a:t>
-            </a:r>
-            <a:r>
-              <a:rPr lang="en-US" altLang="ko-KR" sz="2400" dirty="0" smtClean="0"/>
-              <a:t>.</a:t>
-            </a:r>
-          </a:p>
-          <a:p>
-            <a:pPr marL="457200" indent="-457200">
-              <a:buAutoNum type="arabicPeriod"/>
-            </a:pPr>
-            <a:r>
-              <a:rPr lang="ko-KR" altLang="en-US" sz="2400" dirty="0" smtClean="0"/>
-              <a:t>파일의 입출력 및 처리를 다룰 수 있다</a:t>
-            </a:r>
-            <a:r>
-              <a:rPr lang="en-US" altLang="ko-KR" sz="2400" dirty="0" smtClean="0"/>
-              <a:t>.</a:t>
-            </a:r>
-            <a:endParaRPr lang="en-US" altLang="ko-KR" sz="2400" dirty="0"/>
-          </a:p>
-          <a:p>
-            <a:pPr marL="457200" indent="-457200">
-              <a:buAutoNum type="arabicPeriod"/>
-            </a:pPr>
-            <a:r>
-              <a:rPr lang="ko-KR" altLang="en-US" sz="2400" dirty="0"/>
-              <a:t>팀 프로젝트 경험을 살릴 수 있다</a:t>
-            </a:r>
-            <a:r>
-              <a:rPr lang="en-US" altLang="ko-KR" sz="2400" dirty="0"/>
-              <a:t>.</a:t>
-            </a:r>
-          </a:p>
-          <a:p>
-            <a:pPr marL="457200" indent="-457200">
-              <a:buAutoNum type="arabicPeriod"/>
-            </a:pPr>
-            <a:r>
-              <a:rPr lang="ko-KR" altLang="en-US" sz="2400" dirty="0"/>
-              <a:t>다양한 작업 환경의 사람들과 협업을 할 수 있다</a:t>
-            </a:r>
-            <a:r>
-              <a:rPr lang="en-US" altLang="ko-KR" sz="2400" dirty="0"/>
-              <a:t>.</a:t>
-            </a:r>
-          </a:p>
-        </p:txBody>
-      </p:sp>
-      <p:sp>
-        <p:nvSpPr>
           <p:cNvPr id="7" name="TextBox 6"/>
           <p:cNvSpPr txBox="1"/>
           <p:nvPr/>
@@ -6419,6 +6534,30 @@
           <a:chExt cx="0" cy="0"/>
         </a:xfrm>
       </p:grpSpPr>
+      <p:pic>
+        <p:nvPicPr>
+          <p:cNvPr id="2" name="그림 1"/>
+          <p:cNvPicPr>
+            <a:picLocks noChangeAspect="1"/>
+          </p:cNvPicPr>
+          <p:nvPr/>
+        </p:nvPicPr>
+        <p:blipFill>
+          <a:blip r:embed="rId2"/>
+          <a:stretch>
+            <a:fillRect/>
+          </a:stretch>
+        </p:blipFill>
+        <p:spPr>
+          <a:xfrm>
+            <a:off x="1033462" y="847725"/>
+            <a:ext cx="10125075" cy="5162550"/>
+          </a:xfrm>
+          <a:prstGeom prst="rect">
+            <a:avLst/>
+          </a:prstGeom>
+        </p:spPr>
+      </p:pic>
       <p:sp>
         <p:nvSpPr>
           <p:cNvPr id="4" name="직사각형 3"/>
@@ -6503,115 +6642,6 @@
           </a:p>
         </p:txBody>
       </p:sp>
-      <p:sp>
-        <p:nvSpPr>
-          <p:cNvPr id="5" name="TextBox 4"/>
-          <p:cNvSpPr txBox="1"/>
-          <p:nvPr/>
-        </p:nvSpPr>
-        <p:spPr>
-          <a:xfrm>
-            <a:off x="5186937" y="1005846"/>
-            <a:ext cx="1818125" cy="461665"/>
-          </a:xfrm>
-          <a:prstGeom prst="rect">
-            <a:avLst/>
-          </a:prstGeom>
-          <a:noFill/>
-        </p:spPr>
-        <p:txBody>
-          <a:bodyPr wrap="none" rtlCol="0">
-            <a:spAutoFit/>
-          </a:bodyPr>
-          <a:lstStyle/>
-          <a:p>
-            <a:pPr algn="ctr"/>
-            <a:r>
-              <a:rPr lang="en-US" altLang="ko-KR" sz="2400" dirty="0" smtClean="0"/>
-              <a:t>Gantt Chart</a:t>
-            </a:r>
-          </a:p>
-        </p:txBody>
-      </p:sp>
-      <p:sp>
-        <p:nvSpPr>
-          <p:cNvPr id="8" name="TextBox 7"/>
-          <p:cNvSpPr txBox="1"/>
-          <p:nvPr/>
-        </p:nvSpPr>
-        <p:spPr>
-          <a:xfrm>
-            <a:off x="4663558" y="3949941"/>
-            <a:ext cx="2864887" cy="461665"/>
-          </a:xfrm>
-          <a:prstGeom prst="rect">
-            <a:avLst/>
-          </a:prstGeom>
-          <a:noFill/>
-        </p:spPr>
-        <p:txBody>
-          <a:bodyPr wrap="none" rtlCol="0">
-            <a:spAutoFit/>
-          </a:bodyPr>
-          <a:lstStyle/>
-          <a:p>
-            <a:pPr algn="ctr"/>
-            <a:r>
-              <a:rPr lang="ko-KR" altLang="en-US" sz="2400" dirty="0" smtClean="0"/>
-              <a:t>프로젝트 일정 관리</a:t>
-            </a:r>
-            <a:endParaRPr lang="en-US" altLang="ko-KR" sz="2400" dirty="0" smtClean="0"/>
-          </a:p>
-        </p:txBody>
-      </p:sp>
-      <p:pic>
-        <p:nvPicPr>
-          <p:cNvPr id="6" name="그림 5"/>
-          <p:cNvPicPr>
-            <a:picLocks noChangeAspect="1"/>
-          </p:cNvPicPr>
-          <p:nvPr/>
-        </p:nvPicPr>
-        <p:blipFill>
-          <a:blip r:embed="rId2"/>
-          <a:stretch>
-            <a:fillRect/>
-          </a:stretch>
-        </p:blipFill>
-        <p:spPr>
-          <a:xfrm>
-            <a:off x="0" y="1467511"/>
-            <a:ext cx="12192000" cy="2332926"/>
-          </a:xfrm>
-          <a:prstGeom prst="rect">
-            <a:avLst/>
-          </a:prstGeom>
-        </p:spPr>
-      </p:pic>
-      <p:pic>
-        <p:nvPicPr>
-          <p:cNvPr id="10" name="그림 9"/>
-          <p:cNvPicPr>
-            <a:picLocks noChangeAspect="1"/>
-          </p:cNvPicPr>
-          <p:nvPr/>
-        </p:nvPicPr>
-        <p:blipFill>
-          <a:blip r:embed="rId3"/>
-          <a:stretch>
-            <a:fillRect/>
-          </a:stretch>
-        </p:blipFill>
-        <p:spPr>
-          <a:xfrm>
-            <a:off x="0" y="4411606"/>
-            <a:ext cx="12192000" cy="1939215"/>
-          </a:xfrm>
-          <a:prstGeom prst="rect">
-            <a:avLst/>
-          </a:prstGeom>
-        </p:spPr>
-      </p:pic>
     </p:spTree>
     <p:extLst>
       <p:ext uri="{BB962C8B-B14F-4D97-AF65-F5344CB8AC3E}">
